--- a/boss_locker.pptx
+++ b/boss_locker.pptx
@@ -389,11 +389,11 @@
           <c:showBubbleSize val="0"/>
         </c:dLbls>
         <c:gapWidth val="199"/>
-        <c:axId val="1565471008"/>
-        <c:axId val="1565009104"/>
+        <c:axId val="1649453968"/>
+        <c:axId val="1484591456"/>
       </c:barChart>
       <c:catAx>
-        <c:axId val="1565471008"/>
+        <c:axId val="1649453968"/>
         <c:scaling>
           <c:orientation val="minMax"/>
         </c:scaling>
@@ -436,7 +436,7 @@
             <a:endParaRPr lang="ko-KR"/>
           </a:p>
         </c:txPr>
-        <c:crossAx val="1565009104"/>
+        <c:crossAx val="1484591456"/>
         <c:crosses val="autoZero"/>
         <c:auto val="1"/>
         <c:lblAlgn val="ctr"/>
@@ -444,7 +444,7 @@
         <c:noMultiLvlLbl val="0"/>
       </c:catAx>
       <c:valAx>
-        <c:axId val="1565009104"/>
+        <c:axId val="1484591456"/>
         <c:scaling>
           <c:orientation val="minMax"/>
         </c:scaling>
@@ -509,7 +509,7 @@
             <a:endParaRPr lang="ko-KR"/>
           </a:p>
         </c:txPr>
-        <c:crossAx val="1565471008"/>
+        <c:crossAx val="1649453968"/>
         <c:crosses val="autoZero"/>
         <c:crossBetween val="between"/>
       </c:valAx>
@@ -13272,7 +13272,19 @@
                 </a:solidFill>
                 <a:latin typeface="+mj-ea"/>
               </a:rPr>
-              <a:t>Top-Down </a:t>
+              <a:t>Quarter View</a:t>
+            </a:r>
+            <a:r>
+              <a:rPr lang="en-US" altLang="ko-KR" b="1" dirty="0" smtClean="0">
+                <a:solidFill>
+                  <a:schemeClr val="tx1">
+                    <a:lumMod val="65000"/>
+                    <a:lumOff val="35000"/>
+                  </a:schemeClr>
+                </a:solidFill>
+                <a:latin typeface="+mj-ea"/>
+              </a:rPr>
+              <a:t> </a:t>
             </a:r>
             <a:r>
               <a:rPr lang="ko-KR" altLang="en-US" b="1" dirty="0" smtClean="0">
@@ -13284,19 +13296,7 @@
                 </a:solidFill>
                 <a:latin typeface="+mj-ea"/>
               </a:rPr>
-              <a:t>시점에서 </a:t>
-            </a:r>
-            <a:r>
-              <a:rPr lang="ko-KR" altLang="en-US" b="1" dirty="0" smtClean="0">
-                <a:solidFill>
-                  <a:schemeClr val="tx1">
-                    <a:lumMod val="65000"/>
-                    <a:lumOff val="35000"/>
-                  </a:schemeClr>
-                </a:solidFill>
-                <a:latin typeface="+mj-ea"/>
-              </a:rPr>
-              <a:t>카메라는 가상의 사각형 안에 고정되어 있다</a:t>
+              <a:t>시점에서 카메라는 가상의 사각형 안에 고정되어 있다</a:t>
             </a:r>
             <a:r>
               <a:rPr lang="en-US" altLang="ko-KR" b="1" dirty="0" smtClean="0">
@@ -13524,7 +13524,7 @@
                   </a:schemeClr>
                 </a:solidFill>
               </a:rPr>
-              <a:t>Top-Down</a:t>
+              <a:t>Quarter View</a:t>
             </a:r>
             <a:endParaRPr kumimoji="1" lang="ko-KR" altLang="en-US" dirty="0">
               <a:solidFill>
@@ -19679,31 +19679,7 @@
                 </a:solidFill>
                 <a:latin typeface="+mj-ea"/>
               </a:rPr>
-              <a:t>특성 정보창에서 확인할 수 있는 </a:t>
-            </a:r>
-            <a:r>
-              <a:rPr lang="ko-KR" altLang="en-US" b="1" dirty="0" smtClean="0">
-                <a:solidFill>
-                  <a:schemeClr val="tx1">
-                    <a:lumMod val="65000"/>
-                    <a:lumOff val="35000"/>
-                  </a:schemeClr>
-                </a:solidFill>
-                <a:latin typeface="+mj-ea"/>
-              </a:rPr>
-              <a:t>영웅들은 공통된 특성은 </a:t>
-            </a:r>
-            <a:r>
-              <a:rPr lang="ko-KR" altLang="en-US" b="1" dirty="0" smtClean="0">
-                <a:solidFill>
-                  <a:schemeClr val="tx1">
-                    <a:lumMod val="65000"/>
-                    <a:lumOff val="35000"/>
-                  </a:schemeClr>
-                </a:solidFill>
-                <a:latin typeface="+mj-ea"/>
-              </a:rPr>
-              <a:t>다음과 같다</a:t>
+              <a:t>특성 정보창에서 확인할 수 있는 영웅들은 공통된 특성은 다음과 같다</a:t>
             </a:r>
             <a:r>
               <a:rPr lang="en-US" altLang="ko-KR" b="1" dirty="0" smtClean="0">
@@ -20586,19 +20562,7 @@
                 </a:solidFill>
                 <a:latin typeface="+mj-ea"/>
               </a:rPr>
-              <a:t> </a:t>
-            </a:r>
-            <a:r>
-              <a:rPr lang="ko-KR" altLang="en-US" sz="1400" b="1" dirty="0" smtClean="0">
-                <a:solidFill>
-                  <a:schemeClr val="tx1">
-                    <a:lumMod val="65000"/>
-                    <a:lumOff val="35000"/>
-                  </a:schemeClr>
-                </a:solidFill>
-                <a:latin typeface="+mj-ea"/>
-              </a:rPr>
-              <a:t>재장전 전 까지 기본 공격 가능한 횟수</a:t>
+              <a:t> 재장전 전 까지 기본 공격 가능한 횟수</a:t>
             </a:r>
             <a:endParaRPr lang="ko-KR" altLang="en-US" sz="1400" b="1" u="sng" dirty="0">
               <a:solidFill>
@@ -21846,31 +21810,7 @@
                 </a:solidFill>
                 <a:latin typeface="+mj-ea"/>
               </a:rPr>
-              <a:t>은 </a:t>
-            </a:r>
-            <a:r>
-              <a:rPr lang="ko-KR" altLang="en-US" b="1" dirty="0" smtClean="0">
-                <a:solidFill>
-                  <a:schemeClr val="tx1">
-                    <a:lumMod val="65000"/>
-                    <a:lumOff val="35000"/>
-                  </a:schemeClr>
-                </a:solidFill>
-                <a:latin typeface="+mj-ea"/>
-              </a:rPr>
-              <a:t>중간</a:t>
-            </a:r>
-            <a:r>
-              <a:rPr lang="ko-KR" altLang="en-US" b="1" dirty="0" smtClean="0">
-                <a:solidFill>
-                  <a:schemeClr val="tx1">
-                    <a:lumMod val="65000"/>
-                    <a:lumOff val="35000"/>
-                  </a:schemeClr>
-                </a:solidFill>
-                <a:latin typeface="+mj-ea"/>
-              </a:rPr>
-              <a:t> 속도와 중간 사정거리를 가지며</a:t>
+              <a:t>은 중간 속도와 중간 사정거리를 가지며</a:t>
             </a:r>
             <a:r>
               <a:rPr lang="en-US" altLang="ko-KR" b="1" dirty="0" smtClean="0">
@@ -22252,16 +22192,7 @@
                 </a:solidFill>
                 <a:latin typeface="+mj-ea"/>
               </a:rPr>
-              <a:t>스페셜</a:t>
-            </a:r>
-            <a:r>
-              <a:rPr lang="ko-KR" altLang="en-US" sz="1400" b="1" dirty="0" smtClean="0">
-                <a:solidFill>
-                  <a:schemeClr val="accent1"/>
-                </a:solidFill>
-                <a:latin typeface="+mj-ea"/>
-              </a:rPr>
-              <a:t> 스킬    </a:t>
+              <a:t>스페셜 스킬    </a:t>
             </a:r>
             <a:r>
               <a:rPr lang="en-US" altLang="ko-KR" sz="1400" b="1" dirty="0" smtClean="0">
@@ -23591,55 +23522,7 @@
                 </a:solidFill>
                 <a:latin typeface="+mj-ea"/>
               </a:rPr>
-              <a:t>은 비교적 빠른 공격 속도</a:t>
-            </a:r>
-            <a:r>
-              <a:rPr lang="ko-KR" altLang="en-US" b="1" dirty="0" smtClean="0">
-                <a:solidFill>
-                  <a:schemeClr val="tx1">
-                    <a:lumMod val="65000"/>
-                    <a:lumOff val="35000"/>
-                  </a:schemeClr>
-                </a:solidFill>
-                <a:latin typeface="+mj-ea"/>
-              </a:rPr>
-              <a:t>와</a:t>
-            </a:r>
-            <a:r>
-              <a:rPr lang="ko-KR" altLang="en-US" b="1" dirty="0" smtClean="0">
-                <a:solidFill>
-                  <a:schemeClr val="tx1">
-                    <a:lumMod val="65000"/>
-                    <a:lumOff val="35000"/>
-                  </a:schemeClr>
-                </a:solidFill>
-                <a:latin typeface="+mj-ea"/>
-              </a:rPr>
-              <a:t> 이동 속도 그리고</a:t>
-            </a:r>
-            <a:r>
-              <a:rPr lang="ko-KR" altLang="en-US" b="1" dirty="0" smtClean="0">
-                <a:solidFill>
-                  <a:schemeClr val="tx1">
-                    <a:lumMod val="65000"/>
-                    <a:lumOff val="35000"/>
-                  </a:schemeClr>
-                </a:solidFill>
-                <a:latin typeface="+mj-ea"/>
-              </a:rPr>
-              <a:t> </a:t>
-            </a:r>
-            <a:r>
-              <a:rPr lang="ko-KR" altLang="en-US" b="1" dirty="0" smtClean="0">
-                <a:solidFill>
-                  <a:schemeClr val="tx1">
-                    <a:lumMod val="65000"/>
-                    <a:lumOff val="35000"/>
-                  </a:schemeClr>
-                </a:solidFill>
-                <a:latin typeface="+mj-ea"/>
-              </a:rPr>
-              <a:t>짧은 사정거리를 가지며</a:t>
+              <a:t>은 비교적 빠른 공격 속도와 이동 속도 그리고 짧은 사정거리를 가지며</a:t>
             </a:r>
             <a:r>
               <a:rPr lang="en-US" altLang="ko-KR" b="1" dirty="0" smtClean="0">
@@ -23806,19 +23689,7 @@
                 </a:solidFill>
                 <a:latin typeface="+mj-ea"/>
               </a:rPr>
-              <a:t>번 연속 </a:t>
-            </a:r>
-            <a:r>
-              <a:rPr lang="ko-KR" altLang="en-US" sz="1400" b="1" dirty="0" smtClean="0">
-                <a:solidFill>
-                  <a:schemeClr val="tx1">
-                    <a:lumMod val="65000"/>
-                    <a:lumOff val="35000"/>
-                  </a:schemeClr>
-                </a:solidFill>
-                <a:latin typeface="+mj-ea"/>
-              </a:rPr>
-              <a:t>공격 성공시 치명타가 발동하며</a:t>
+              <a:t>번 연속 공격 성공시 치명타가 발동하며</a:t>
             </a:r>
             <a:r>
               <a:rPr lang="en-US" altLang="ko-KR" sz="1400" b="1" dirty="0" smtClean="0">
@@ -23974,16 +23845,7 @@
                 </a:solidFill>
                 <a:latin typeface="+mj-ea"/>
               </a:rPr>
-              <a:t>스페셜</a:t>
-            </a:r>
-            <a:r>
-              <a:rPr lang="ko-KR" altLang="en-US" sz="1400" b="1" dirty="0" smtClean="0">
-                <a:solidFill>
-                  <a:schemeClr val="accent1"/>
-                </a:solidFill>
-                <a:latin typeface="+mj-ea"/>
-              </a:rPr>
-              <a:t> 스킬    </a:t>
+              <a:t>스페셜 스킬    </a:t>
             </a:r>
             <a:r>
               <a:rPr lang="en-US" altLang="ko-KR" sz="1400" b="1" dirty="0" smtClean="0">
@@ -24809,16 +24671,7 @@
                 </a:solidFill>
                 <a:latin typeface="+mj-ea"/>
               </a:rPr>
-              <a:t>보조</a:t>
-            </a:r>
-            <a:r>
-              <a:rPr lang="ko-KR" altLang="en-US" b="1" dirty="0" smtClean="0">
-                <a:solidFill>
-                  <a:schemeClr val="accent6"/>
-                </a:solidFill>
-                <a:latin typeface="+mj-ea"/>
-              </a:rPr>
-              <a:t>형 영웅</a:t>
+              <a:t>보조형 영웅</a:t>
             </a:r>
             <a:r>
               <a:rPr lang="ko-KR" altLang="en-US" b="1" dirty="0" smtClean="0">
@@ -25155,16 +25008,7 @@
                 </a:solidFill>
                 <a:latin typeface="+mj-ea"/>
               </a:rPr>
-              <a:t>스페셜</a:t>
-            </a:r>
-            <a:r>
-              <a:rPr lang="ko-KR" altLang="en-US" sz="1400" b="1" dirty="0" smtClean="0">
-                <a:solidFill>
-                  <a:schemeClr val="accent1"/>
-                </a:solidFill>
-                <a:latin typeface="+mj-ea"/>
-              </a:rPr>
-              <a:t> 스킬    </a:t>
+              <a:t>스페셜 스킬    </a:t>
             </a:r>
             <a:r>
               <a:rPr lang="en-US" altLang="ko-KR" sz="1400" b="1" dirty="0" smtClean="0">
@@ -26444,19 +26288,7 @@
                 </a:solidFill>
                 <a:latin typeface="+mj-ea"/>
               </a:rPr>
-              <a:t> </a:t>
-            </a:r>
-            <a:r>
-              <a:rPr lang="ko-KR" altLang="en-US" sz="1400" b="1" dirty="0" smtClean="0">
-                <a:solidFill>
-                  <a:schemeClr val="tx1">
-                    <a:lumMod val="65000"/>
-                    <a:lumOff val="35000"/>
-                  </a:schemeClr>
-                </a:solidFill>
-                <a:latin typeface="+mj-ea"/>
-              </a:rPr>
-              <a:t>영웅의 특성에 지속해서 관여한다</a:t>
+              <a:t> 영웅의 특성에 지속해서 관여한다</a:t>
             </a:r>
             <a:r>
               <a:rPr lang="en-US" altLang="ko-KR" sz="1400" b="1" dirty="0" smtClean="0">
@@ -26782,31 +26614,7 @@
                 </a:solidFill>
                 <a:latin typeface="+mj-ea"/>
               </a:rPr>
-              <a:t>방어</a:t>
-            </a:r>
-            <a:r>
-              <a:rPr lang="ko-KR" altLang="en-US" sz="1400" b="1" dirty="0" smtClean="0">
-                <a:solidFill>
-                  <a:schemeClr val="tx1">
-                    <a:lumMod val="65000"/>
-                    <a:lumOff val="35000"/>
-                  </a:schemeClr>
-                </a:solidFill>
-                <a:latin typeface="+mj-ea"/>
-              </a:rPr>
-              <a:t>력</a:t>
-            </a:r>
-            <a:r>
-              <a:rPr lang="ko-KR" altLang="en-US" sz="1400" b="1" dirty="0" smtClean="0">
-                <a:solidFill>
-                  <a:schemeClr val="tx1">
-                    <a:lumMod val="65000"/>
-                    <a:lumOff val="35000"/>
-                  </a:schemeClr>
-                </a:solidFill>
-                <a:latin typeface="+mj-ea"/>
-              </a:rPr>
-              <a:t> </a:t>
+              <a:t>방어력 </a:t>
             </a:r>
             <a:r>
               <a:rPr lang="en-US" altLang="ko-KR" sz="1400" b="1" dirty="0" smtClean="0">
@@ -26980,19 +26788,7 @@
                 </a:solidFill>
                 <a:latin typeface="+mj-ea"/>
               </a:rPr>
-              <a:t>최대 체력</a:t>
-            </a:r>
-            <a:r>
-              <a:rPr lang="ko-KR" altLang="en-US" sz="1400" b="1" dirty="0" smtClean="0">
-                <a:solidFill>
-                  <a:schemeClr val="tx1">
-                    <a:lumMod val="65000"/>
-                    <a:lumOff val="35000"/>
-                  </a:schemeClr>
-                </a:solidFill>
-                <a:latin typeface="+mj-ea"/>
-              </a:rPr>
-              <a:t> </a:t>
+              <a:t>최대 체력 </a:t>
             </a:r>
             <a:r>
               <a:rPr lang="en-US" altLang="ko-KR" sz="1400" b="1" dirty="0" smtClean="0">
@@ -27268,19 +27064,7 @@
                 </a:solidFill>
                 <a:latin typeface="+mj-ea"/>
               </a:rPr>
-              <a:t>스테이지에서</a:t>
-            </a:r>
-            <a:r>
-              <a:rPr lang="ko-KR" altLang="en-US" sz="1400" b="1" dirty="0" smtClean="0">
-                <a:solidFill>
-                  <a:schemeClr val="tx1">
-                    <a:lumMod val="65000"/>
-                    <a:lumOff val="35000"/>
-                  </a:schemeClr>
-                </a:solidFill>
-                <a:latin typeface="+mj-ea"/>
-              </a:rPr>
-              <a:t> </a:t>
+              <a:t>스테이지에서 </a:t>
             </a:r>
             <a:r>
               <a:rPr lang="en-US" altLang="ko-KR" sz="1400" b="1" dirty="0" smtClean="0">
@@ -29827,6 +29611,18 @@
           </a:p>
           <a:p>
             <a:r>
+              <a:rPr lang="en-US" altLang="ko-KR" b="1" dirty="0" smtClean="0">
+                <a:solidFill>
+                  <a:schemeClr val="tx1">
+                    <a:lumMod val="65000"/>
+                    <a:lumOff val="35000"/>
+                  </a:schemeClr>
+                </a:solidFill>
+                <a:latin typeface="+mj-ea"/>
+              </a:rPr>
+              <a:t>Quarter View </a:t>
+            </a:r>
+            <a:r>
               <a:rPr lang="en-US" altLang="ko-KR" b="1" dirty="0">
                 <a:solidFill>
                   <a:schemeClr val="tx1">
@@ -29836,7 +29632,7 @@
                 </a:solidFill>
                 <a:latin typeface="+mj-ea"/>
               </a:rPr>
-              <a:t>Top-Down View + Action Shooting</a:t>
+              <a:t>+ Action Shooting</a:t>
             </a:r>
           </a:p>
           <a:p>
@@ -32680,6 +32476,18 @@
           </a:p>
           <a:p>
             <a:r>
+              <a:rPr lang="en-US" altLang="ko-KR" b="1" dirty="0" smtClean="0">
+                <a:solidFill>
+                  <a:schemeClr val="tx1">
+                    <a:lumMod val="65000"/>
+                    <a:lumOff val="35000"/>
+                  </a:schemeClr>
+                </a:solidFill>
+                <a:latin typeface="+mj-ea"/>
+              </a:rPr>
+              <a:t>Quarter </a:t>
+            </a:r>
+            <a:r>
               <a:rPr lang="en-US" altLang="ko-KR" b="1" dirty="0">
                 <a:solidFill>
                   <a:schemeClr val="tx1">
@@ -32689,7 +32497,7 @@
                 </a:solidFill>
                 <a:latin typeface="+mj-ea"/>
               </a:rPr>
-              <a:t>Top-Down View + Action Shooting</a:t>
+              <a:t>View + Action Shooting</a:t>
             </a:r>
           </a:p>
           <a:p>
@@ -33715,6 +33523,30 @@
           <a:lstStyle/>
           <a:p>
             <a:r>
+              <a:rPr lang="ko-KR" altLang="en-US" b="1" dirty="0" smtClean="0">
+                <a:solidFill>
+                  <a:schemeClr val="tx1">
+                    <a:lumMod val="65000"/>
+                    <a:lumOff val="35000"/>
+                  </a:schemeClr>
+                </a:solidFill>
+                <a:latin typeface="+mj-ea"/>
+              </a:rPr>
+              <a:t>쿼터</a:t>
+            </a:r>
+            <a:r>
+              <a:rPr lang="ko-KR" altLang="en-US" b="1" dirty="0" smtClean="0">
+                <a:solidFill>
+                  <a:schemeClr val="tx1">
+                    <a:lumMod val="65000"/>
+                    <a:lumOff val="35000"/>
+                  </a:schemeClr>
+                </a:solidFill>
+                <a:latin typeface="+mj-ea"/>
+              </a:rPr>
+              <a:t> </a:t>
+            </a:r>
+            <a:r>
               <a:rPr lang="ko-KR" altLang="en-US" b="1" dirty="0">
                 <a:solidFill>
                   <a:schemeClr val="tx1">
@@ -33724,7 +33556,7 @@
                 </a:solidFill>
                 <a:latin typeface="+mj-ea"/>
               </a:rPr>
-              <a:t>탑다운 뷰 방식의 액션 탄막 슈팅 보스 레이드 게임</a:t>
+              <a:t>뷰 방식의 액션 탄막 슈팅 보스 레이드 게임</a:t>
             </a:r>
           </a:p>
         </p:txBody>
@@ -37196,31 +37028,7 @@
                 </a:solidFill>
                 <a:latin typeface="+mj-ea"/>
               </a:rPr>
-              <a:t> 공격 </a:t>
-            </a:r>
-            <a:r>
-              <a:rPr lang="ko-KR" altLang="en-US" b="1" dirty="0" smtClean="0">
-                <a:solidFill>
-                  <a:schemeClr val="tx1">
-                    <a:lumMod val="65000"/>
-                    <a:lumOff val="35000"/>
-                  </a:schemeClr>
-                </a:solidFill>
-                <a:latin typeface="+mj-ea"/>
-              </a:rPr>
-              <a:t>속도와 </a:t>
-            </a:r>
-            <a:r>
-              <a:rPr lang="ko-KR" altLang="en-US" b="1" dirty="0" smtClean="0">
-                <a:solidFill>
-                  <a:schemeClr val="tx1">
-                    <a:lumMod val="65000"/>
-                    <a:lumOff val="35000"/>
-                  </a:schemeClr>
-                </a:solidFill>
-                <a:latin typeface="+mj-ea"/>
-              </a:rPr>
-              <a:t>같은 다양한 패시브 특성들이 존재한다</a:t>
+              <a:t> 공격 속도와 같은 다양한 패시브 특성들이 존재한다</a:t>
             </a:r>
             <a:r>
               <a:rPr lang="en-US" altLang="ko-KR" b="1" dirty="0" smtClean="0">

--- a/boss_locker.pptx
+++ b/boss_locker.pptx
@@ -389,11 +389,11 @@
           <c:showBubbleSize val="0"/>
         </c:dLbls>
         <c:gapWidth val="199"/>
-        <c:axId val="1649453968"/>
-        <c:axId val="1484591456"/>
+        <c:axId val="1561629968"/>
+        <c:axId val="1601872512"/>
       </c:barChart>
       <c:catAx>
-        <c:axId val="1649453968"/>
+        <c:axId val="1561629968"/>
         <c:scaling>
           <c:orientation val="minMax"/>
         </c:scaling>
@@ -436,7 +436,7 @@
             <a:endParaRPr lang="ko-KR"/>
           </a:p>
         </c:txPr>
-        <c:crossAx val="1484591456"/>
+        <c:crossAx val="1601872512"/>
         <c:crosses val="autoZero"/>
         <c:auto val="1"/>
         <c:lblAlgn val="ctr"/>
@@ -444,7 +444,7 @@
         <c:noMultiLvlLbl val="0"/>
       </c:catAx>
       <c:valAx>
-        <c:axId val="1484591456"/>
+        <c:axId val="1601872512"/>
         <c:scaling>
           <c:orientation val="minMax"/>
         </c:scaling>
@@ -509,7 +509,7 @@
             <a:endParaRPr lang="ko-KR"/>
           </a:p>
         </c:txPr>
-        <c:crossAx val="1649453968"/>
+        <c:crossAx val="1561629968"/>
         <c:crosses val="autoZero"/>
         <c:crossBetween val="between"/>
       </c:valAx>
@@ -11880,7 +11880,7 @@
                 </a:solidFill>
                 <a:latin typeface="+mj-ea"/>
               </a:rPr>
-              <a:t>Top-Down </a:t>
+              <a:t>Quarter View</a:t>
             </a:r>
             <a:r>
               <a:rPr lang="ko-KR" altLang="en-US" b="1" dirty="0" smtClean="0">
@@ -11892,7 +11892,19 @@
                 </a:solidFill>
                 <a:latin typeface="+mj-ea"/>
               </a:rPr>
-              <a:t>시점에서 영웅은 기본적으로 마우스 커서의 방향을 바라본다</a:t>
+              <a:t>시점에서 </a:t>
+            </a:r>
+            <a:r>
+              <a:rPr lang="ko-KR" altLang="en-US" b="1" dirty="0" smtClean="0">
+                <a:solidFill>
+                  <a:schemeClr val="tx1">
+                    <a:lumMod val="65000"/>
+                    <a:lumOff val="35000"/>
+                  </a:schemeClr>
+                </a:solidFill>
+                <a:latin typeface="+mj-ea"/>
+              </a:rPr>
+              <a:t>영웅은 기본적으로 마우스 커서의 방향을 바라본다</a:t>
             </a:r>
             <a:r>
               <a:rPr lang="en-US" altLang="ko-KR" b="1" dirty="0" smtClean="0">
@@ -13272,19 +13284,7 @@
                 </a:solidFill>
                 <a:latin typeface="+mj-ea"/>
               </a:rPr>
-              <a:t>Quarter View</a:t>
-            </a:r>
-            <a:r>
-              <a:rPr lang="en-US" altLang="ko-KR" b="1" dirty="0" smtClean="0">
-                <a:solidFill>
-                  <a:schemeClr val="tx1">
-                    <a:lumMod val="65000"/>
-                    <a:lumOff val="35000"/>
-                  </a:schemeClr>
-                </a:solidFill>
-                <a:latin typeface="+mj-ea"/>
-              </a:rPr>
-              <a:t> </a:t>
+              <a:t>Quarter View </a:t>
             </a:r>
             <a:r>
               <a:rPr lang="ko-KR" altLang="en-US" b="1" dirty="0" smtClean="0">
@@ -14845,6 +14845,96 @@
           </a:p>
         </p:txBody>
       </p:sp>
+      <p:pic>
+        <p:nvPicPr>
+          <p:cNvPr id="22" name="그림 21"/>
+          <p:cNvPicPr>
+            <a:picLocks noChangeAspect="1"/>
+          </p:cNvPicPr>
+          <p:nvPr/>
+        </p:nvPicPr>
+        <p:blipFill>
+          <a:blip r:embed="rId2">
+            <a:extLst>
+              <a:ext uri="{28A0092B-C50C-407E-A947-70E740481C1C}">
+                <a14:useLocalDpi xmlns:a14="http://schemas.microsoft.com/office/drawing/2010/main" val="0"/>
+              </a:ext>
+            </a:extLst>
+          </a:blip>
+          <a:stretch>
+            <a:fillRect/>
+          </a:stretch>
+        </p:blipFill>
+        <p:spPr>
+          <a:xfrm>
+            <a:off x="7810070" y="1730569"/>
+            <a:ext cx="540000" cy="540000"/>
+          </a:xfrm>
+          <a:prstGeom prst="rect">
+            <a:avLst/>
+          </a:prstGeom>
+        </p:spPr>
+      </p:pic>
+      <p:pic>
+        <p:nvPicPr>
+          <p:cNvPr id="26" name="그림 25"/>
+          <p:cNvPicPr>
+            <a:picLocks noChangeAspect="1"/>
+          </p:cNvPicPr>
+          <p:nvPr/>
+        </p:nvPicPr>
+        <p:blipFill>
+          <a:blip r:embed="rId3">
+            <a:extLst>
+              <a:ext uri="{28A0092B-C50C-407E-A947-70E740481C1C}">
+                <a14:useLocalDpi xmlns:a14="http://schemas.microsoft.com/office/drawing/2010/main" val="0"/>
+              </a:ext>
+            </a:extLst>
+          </a:blip>
+          <a:stretch>
+            <a:fillRect/>
+          </a:stretch>
+        </p:blipFill>
+        <p:spPr>
+          <a:xfrm>
+            <a:off x="8523241" y="1730569"/>
+            <a:ext cx="540000" cy="540000"/>
+          </a:xfrm>
+          <a:prstGeom prst="rect">
+            <a:avLst/>
+          </a:prstGeom>
+        </p:spPr>
+      </p:pic>
+      <p:pic>
+        <p:nvPicPr>
+          <p:cNvPr id="27" name="그림 26"/>
+          <p:cNvPicPr>
+            <a:picLocks noChangeAspect="1"/>
+          </p:cNvPicPr>
+          <p:nvPr/>
+        </p:nvPicPr>
+        <p:blipFill>
+          <a:blip r:embed="rId4">
+            <a:extLst>
+              <a:ext uri="{28A0092B-C50C-407E-A947-70E740481C1C}">
+                <a14:useLocalDpi xmlns:a14="http://schemas.microsoft.com/office/drawing/2010/main" val="0"/>
+              </a:ext>
+            </a:extLst>
+          </a:blip>
+          <a:stretch>
+            <a:fillRect/>
+          </a:stretch>
+        </p:blipFill>
+        <p:spPr>
+          <a:xfrm>
+            <a:off x="9236412" y="1730569"/>
+            <a:ext cx="540000" cy="540000"/>
+          </a:xfrm>
+          <a:prstGeom prst="rect">
+            <a:avLst/>
+          </a:prstGeom>
+        </p:spPr>
+      </p:pic>
     </p:spTree>
     <p:extLst>
       <p:ext uri="{BB962C8B-B14F-4D97-AF65-F5344CB8AC3E}">
@@ -33532,19 +33622,7 @@
                 </a:solidFill>
                 <a:latin typeface="+mj-ea"/>
               </a:rPr>
-              <a:t>쿼터</a:t>
-            </a:r>
-            <a:r>
-              <a:rPr lang="ko-KR" altLang="en-US" b="1" dirty="0" smtClean="0">
-                <a:solidFill>
-                  <a:schemeClr val="tx1">
-                    <a:lumMod val="65000"/>
-                    <a:lumOff val="35000"/>
-                  </a:schemeClr>
-                </a:solidFill>
-                <a:latin typeface="+mj-ea"/>
-              </a:rPr>
-              <a:t> </a:t>
+              <a:t>쿼터 </a:t>
             </a:r>
             <a:r>
               <a:rPr lang="ko-KR" altLang="en-US" b="1" dirty="0">

--- a/boss_locker.pptx
+++ b/boss_locker.pptx
@@ -389,11 +389,11 @@
           <c:showBubbleSize val="0"/>
         </c:dLbls>
         <c:gapWidth val="199"/>
-        <c:axId val="1561629968"/>
-        <c:axId val="1601872512"/>
+        <c:axId val="-265231712"/>
+        <c:axId val="-265229936"/>
       </c:barChart>
       <c:catAx>
-        <c:axId val="1561629968"/>
+        <c:axId val="-265231712"/>
         <c:scaling>
           <c:orientation val="minMax"/>
         </c:scaling>
@@ -436,7 +436,7 @@
             <a:endParaRPr lang="ko-KR"/>
           </a:p>
         </c:txPr>
-        <c:crossAx val="1601872512"/>
+        <c:crossAx val="-265229936"/>
         <c:crosses val="autoZero"/>
         <c:auto val="1"/>
         <c:lblAlgn val="ctr"/>
@@ -444,7 +444,7 @@
         <c:noMultiLvlLbl val="0"/>
       </c:catAx>
       <c:valAx>
-        <c:axId val="1601872512"/>
+        <c:axId val="-265229936"/>
         <c:scaling>
           <c:orientation val="minMax"/>
         </c:scaling>
@@ -509,7 +509,7 @@
             <a:endParaRPr lang="ko-KR"/>
           </a:p>
         </c:txPr>
-        <c:crossAx val="1561629968"/>
+        <c:crossAx val="-265231712"/>
         <c:crosses val="autoZero"/>
         <c:crossBetween val="between"/>
       </c:valAx>
@@ -4076,7 +4076,7 @@
           <a:p>
             <a:fld id="{ED55F75E-F8D0-406E-84C8-446C7444F352}" type="datetimeFigureOut">
               <a:rPr lang="ko-KR" altLang="en-US" smtClean="0"/>
-              <a:t>2017. 10. 7.</a:t>
+              <a:t>2017. 10. 11.</a:t>
             </a:fld>
             <a:endParaRPr lang="ko-KR" altLang="en-US"/>
           </a:p>
@@ -4475,7 +4475,7 @@
           <a:p>
             <a:fld id="{5E0FEBB0-12E2-4577-9B14-145480F18E47}" type="datetimeFigureOut">
               <a:rPr lang="ko-KR" altLang="en-US" smtClean="0"/>
-              <a:t>2017. 10. 7.</a:t>
+              <a:t>2017. 10. 11.</a:t>
             </a:fld>
             <a:endParaRPr lang="ko-KR" altLang="en-US"/>
           </a:p>
@@ -4640,7 +4640,7 @@
           <a:p>
             <a:fld id="{5E0FEBB0-12E2-4577-9B14-145480F18E47}" type="datetimeFigureOut">
               <a:rPr lang="ko-KR" altLang="en-US" smtClean="0"/>
-              <a:t>2017. 10. 7.</a:t>
+              <a:t>2017. 10. 11.</a:t>
             </a:fld>
             <a:endParaRPr lang="ko-KR" altLang="en-US"/>
           </a:p>
@@ -4815,7 +4815,7 @@
           <a:p>
             <a:fld id="{5E0FEBB0-12E2-4577-9B14-145480F18E47}" type="datetimeFigureOut">
               <a:rPr lang="ko-KR" altLang="en-US" smtClean="0"/>
-              <a:t>2017. 10. 7.</a:t>
+              <a:t>2017. 10. 11.</a:t>
             </a:fld>
             <a:endParaRPr lang="ko-KR" altLang="en-US"/>
           </a:p>
@@ -4980,7 +4980,7 @@
           <a:p>
             <a:fld id="{5E0FEBB0-12E2-4577-9B14-145480F18E47}" type="datetimeFigureOut">
               <a:rPr lang="ko-KR" altLang="en-US" smtClean="0"/>
-              <a:t>2017. 10. 7.</a:t>
+              <a:t>2017. 10. 11.</a:t>
             </a:fld>
             <a:endParaRPr lang="ko-KR" altLang="en-US"/>
           </a:p>
@@ -5221,7 +5221,7 @@
           <a:p>
             <a:fld id="{5E0FEBB0-12E2-4577-9B14-145480F18E47}" type="datetimeFigureOut">
               <a:rPr lang="ko-KR" altLang="en-US" smtClean="0"/>
-              <a:t>2017. 10. 7.</a:t>
+              <a:t>2017. 10. 11.</a:t>
             </a:fld>
             <a:endParaRPr lang="ko-KR" altLang="en-US"/>
           </a:p>
@@ -5448,7 +5448,7 @@
           <a:p>
             <a:fld id="{5E0FEBB0-12E2-4577-9B14-145480F18E47}" type="datetimeFigureOut">
               <a:rPr lang="ko-KR" altLang="en-US" smtClean="0"/>
-              <a:t>2017. 10. 7.</a:t>
+              <a:t>2017. 10. 11.</a:t>
             </a:fld>
             <a:endParaRPr lang="ko-KR" altLang="en-US"/>
           </a:p>
@@ -5810,7 +5810,7 @@
           <a:p>
             <a:fld id="{5E0FEBB0-12E2-4577-9B14-145480F18E47}" type="datetimeFigureOut">
               <a:rPr lang="ko-KR" altLang="en-US" smtClean="0"/>
-              <a:t>2017. 10. 7.</a:t>
+              <a:t>2017. 10. 11.</a:t>
             </a:fld>
             <a:endParaRPr lang="ko-KR" altLang="en-US"/>
           </a:p>
@@ -5923,7 +5923,7 @@
           <a:p>
             <a:fld id="{5E0FEBB0-12E2-4577-9B14-145480F18E47}" type="datetimeFigureOut">
               <a:rPr lang="ko-KR" altLang="en-US" smtClean="0"/>
-              <a:t>2017. 10. 7.</a:t>
+              <a:t>2017. 10. 11.</a:t>
             </a:fld>
             <a:endParaRPr lang="ko-KR" altLang="en-US"/>
           </a:p>
@@ -6013,7 +6013,7 @@
           <a:p>
             <a:fld id="{5E0FEBB0-12E2-4577-9B14-145480F18E47}" type="datetimeFigureOut">
               <a:rPr lang="ko-KR" altLang="en-US" smtClean="0"/>
-              <a:t>2017. 10. 7.</a:t>
+              <a:t>2017. 10. 11.</a:t>
             </a:fld>
             <a:endParaRPr lang="ko-KR" altLang="en-US"/>
           </a:p>
@@ -6285,7 +6285,7 @@
           <a:p>
             <a:fld id="{5E0FEBB0-12E2-4577-9B14-145480F18E47}" type="datetimeFigureOut">
               <a:rPr lang="ko-KR" altLang="en-US" smtClean="0"/>
-              <a:t>2017. 10. 7.</a:t>
+              <a:t>2017. 10. 11.</a:t>
             </a:fld>
             <a:endParaRPr lang="ko-KR" altLang="en-US"/>
           </a:p>
@@ -6537,7 +6537,7 @@
           <a:p>
             <a:fld id="{5E0FEBB0-12E2-4577-9B14-145480F18E47}" type="datetimeFigureOut">
               <a:rPr lang="ko-KR" altLang="en-US" smtClean="0"/>
-              <a:t>2017. 10. 7.</a:t>
+              <a:t>2017. 10. 11.</a:t>
             </a:fld>
             <a:endParaRPr lang="ko-KR" altLang="en-US"/>
           </a:p>
@@ -6745,7 +6745,7 @@
           <a:p>
             <a:fld id="{5E0FEBB0-12E2-4577-9B14-145480F18E47}" type="datetimeFigureOut">
               <a:rPr lang="ko-KR" altLang="en-US" smtClean="0"/>
-              <a:t>2017. 10. 7.</a:t>
+              <a:t>2017. 10. 11.</a:t>
             </a:fld>
             <a:endParaRPr lang="ko-KR" altLang="en-US"/>
           </a:p>
@@ -11892,19 +11892,7 @@
                 </a:solidFill>
                 <a:latin typeface="+mj-ea"/>
               </a:rPr>
-              <a:t>시점에서 </a:t>
-            </a:r>
-            <a:r>
-              <a:rPr lang="ko-KR" altLang="en-US" b="1" dirty="0" smtClean="0">
-                <a:solidFill>
-                  <a:schemeClr val="tx1">
-                    <a:lumMod val="65000"/>
-                    <a:lumOff val="35000"/>
-                  </a:schemeClr>
-                </a:solidFill>
-                <a:latin typeface="+mj-ea"/>
-              </a:rPr>
-              <a:t>영웅은 기본적으로 마우스 커서의 방향을 바라본다</a:t>
+              <a:t>시점에서 영웅은 기본적으로 마우스 커서의 방향을 바라본다</a:t>
             </a:r>
             <a:r>
               <a:rPr lang="en-US" altLang="ko-KR" b="1" dirty="0" smtClean="0">
@@ -14456,8 +14444,8 @@
         </p:nvSpPr>
         <p:spPr>
           <a:xfrm>
-            <a:off x="2557672" y="3090416"/>
-            <a:ext cx="727714" cy="115170"/>
+            <a:off x="2406820" y="1832624"/>
+            <a:ext cx="851091" cy="204421"/>
           </a:xfrm>
           <a:prstGeom prst="rect">
             <a:avLst/>
@@ -14504,7 +14492,7 @@
         </p:nvSpPr>
         <p:spPr>
           <a:xfrm>
-            <a:off x="2557672" y="3335158"/>
+            <a:off x="2530197" y="2946686"/>
             <a:ext cx="727714" cy="115170"/>
           </a:xfrm>
           <a:prstGeom prst="rect">
@@ -14552,7 +14540,7 @@
         </p:nvSpPr>
         <p:spPr>
           <a:xfrm>
-            <a:off x="2557672" y="3579901"/>
+            <a:off x="2530197" y="3191429"/>
             <a:ext cx="727714" cy="115170"/>
           </a:xfrm>
           <a:prstGeom prst="rect">
@@ -14594,13 +14582,13 @@
       </p:sp>
       <p:sp>
         <p:nvSpPr>
-          <p:cNvPr id="8" name="타원 7"/>
+          <p:cNvPr id="24" name="타원 23"/>
           <p:cNvSpPr/>
           <p:nvPr/>
         </p:nvSpPr>
         <p:spPr>
           <a:xfrm>
-            <a:off x="2316821" y="3063912"/>
+            <a:off x="2303659" y="2918848"/>
             <a:ext cx="180000" cy="180000"/>
           </a:xfrm>
           <a:prstGeom prst="ellipse">
@@ -14634,53 +14622,13 @@
       </p:sp>
       <p:sp>
         <p:nvSpPr>
-          <p:cNvPr id="24" name="타원 23"/>
-          <p:cNvSpPr/>
-          <p:nvPr/>
-        </p:nvSpPr>
-        <p:spPr>
-          <a:xfrm>
-            <a:off x="2321898" y="3307320"/>
-            <a:ext cx="180000" cy="180000"/>
-          </a:xfrm>
-          <a:prstGeom prst="ellipse">
-            <a:avLst/>
-          </a:prstGeom>
-        </p:spPr>
-        <p:style>
-          <a:lnRef idx="2">
-            <a:schemeClr val="accent1">
-              <a:shade val="50000"/>
-            </a:schemeClr>
-          </a:lnRef>
-          <a:fillRef idx="1">
-            <a:schemeClr val="accent1"/>
-          </a:fillRef>
-          <a:effectRef idx="0">
-            <a:schemeClr val="accent1"/>
-          </a:effectRef>
-          <a:fontRef idx="minor">
-            <a:schemeClr val="lt1"/>
-          </a:fontRef>
-        </p:style>
-        <p:txBody>
-          <a:bodyPr rtlCol="0" anchor="ctr"/>
-          <a:lstStyle/>
-          <a:p>
-            <a:pPr algn="ctr"/>
-            <a:endParaRPr kumimoji="1" lang="ko-KR" altLang="en-US"/>
-          </a:p>
-        </p:txBody>
-      </p:sp>
-      <p:sp>
-        <p:nvSpPr>
           <p:cNvPr id="25" name="타원 24"/>
           <p:cNvSpPr/>
           <p:nvPr/>
         </p:nvSpPr>
         <p:spPr>
           <a:xfrm>
-            <a:off x="2336700" y="3560868"/>
+            <a:off x="2309225" y="3172396"/>
             <a:ext cx="180000" cy="180000"/>
           </a:xfrm>
           <a:prstGeom prst="ellipse">
@@ -16947,31 +16895,7 @@
                 </a:solidFill>
                 <a:latin typeface="+mj-ea"/>
               </a:rPr>
-              <a:t>메뉴에서는 영웅 패시브 특성 </a:t>
-            </a:r>
-            <a:r>
-              <a:rPr lang="en-US" altLang="ko-KR" b="1" dirty="0" smtClean="0">
-                <a:solidFill>
-                  <a:schemeClr val="tx1">
-                    <a:lumMod val="65000"/>
-                    <a:lumOff val="35000"/>
-                  </a:schemeClr>
-                </a:solidFill>
-                <a:latin typeface="+mj-ea"/>
-              </a:rPr>
-              <a:t>/</a:t>
-            </a:r>
-            <a:r>
-              <a:rPr lang="ko-KR" altLang="en-US" b="1" dirty="0" smtClean="0">
-                <a:solidFill>
-                  <a:schemeClr val="tx1">
-                    <a:lumMod val="65000"/>
-                    <a:lumOff val="35000"/>
-                  </a:schemeClr>
-                </a:solidFill>
-                <a:latin typeface="+mj-ea"/>
-              </a:rPr>
-              <a:t> 보유 룬과 같은 정보를 열람 가능하다</a:t>
+              <a:t>메뉴에서는 영웅 패시브 특성 정보를 열람 가능하다</a:t>
             </a:r>
             <a:r>
               <a:rPr lang="en-US" altLang="ko-KR" b="1" dirty="0" smtClean="0">
@@ -16994,48 +16918,6 @@
               </a:solidFill>
               <a:latin typeface="+mj-ea"/>
             </a:endParaRPr>
-          </a:p>
-        </p:txBody>
-      </p:sp>
-      <p:sp>
-        <p:nvSpPr>
-          <p:cNvPr id="26" name="직사각형 25"/>
-          <p:cNvSpPr/>
-          <p:nvPr/>
-        </p:nvSpPr>
-        <p:spPr>
-          <a:xfrm>
-            <a:off x="6476904" y="2378833"/>
-            <a:ext cx="2345184" cy="1912649"/>
-          </a:xfrm>
-          <a:prstGeom prst="rect">
-            <a:avLst/>
-          </a:prstGeom>
-        </p:spPr>
-        <p:style>
-          <a:lnRef idx="3">
-            <a:schemeClr val="lt1"/>
-          </a:lnRef>
-          <a:fillRef idx="1">
-            <a:schemeClr val="accent4"/>
-          </a:fillRef>
-          <a:effectRef idx="1">
-            <a:schemeClr val="accent4"/>
-          </a:effectRef>
-          <a:fontRef idx="minor">
-            <a:schemeClr val="lt1"/>
-          </a:fontRef>
-        </p:style>
-        <p:txBody>
-          <a:bodyPr rtlCol="0" anchor="ctr"/>
-          <a:lstStyle/>
-          <a:p>
-            <a:pPr algn="ctr"/>
-            <a:r>
-              <a:rPr kumimoji="1" lang="ko-KR" altLang="en-US" smtClean="0"/>
-              <a:t>보유 룬</a:t>
-            </a:r>
-            <a:endParaRPr kumimoji="1" lang="ko-KR" altLang="en-US" dirty="0"/>
           </a:p>
         </p:txBody>
       </p:sp>
@@ -18993,186 +18875,6 @@
               <a:t>영웅 특성</a:t>
             </a:r>
             <a:endParaRPr kumimoji="1" lang="ko-KR" altLang="en-US" dirty="0"/>
-          </a:p>
-        </p:txBody>
-      </p:sp>
-      <p:sp>
-        <p:nvSpPr>
-          <p:cNvPr id="22" name="직사각형 21"/>
-          <p:cNvSpPr/>
-          <p:nvPr/>
-        </p:nvSpPr>
-        <p:spPr>
-          <a:xfrm>
-            <a:off x="2184527" y="5775270"/>
-            <a:ext cx="8322606" cy="369332"/>
-          </a:xfrm>
-          <a:prstGeom prst="rect">
-            <a:avLst/>
-          </a:prstGeom>
-        </p:spPr>
-        <p:txBody>
-          <a:bodyPr wrap="square">
-            <a:spAutoFit/>
-          </a:bodyPr>
-          <a:lstStyle/>
-          <a:p>
-            <a:r>
-              <a:rPr lang="ko-KR" altLang="en-US" b="1" dirty="0" smtClean="0">
-                <a:solidFill>
-                  <a:schemeClr val="tx1">
-                    <a:lumMod val="65000"/>
-                    <a:lumOff val="35000"/>
-                  </a:schemeClr>
-                </a:solidFill>
-                <a:latin typeface="+mj-ea"/>
-              </a:rPr>
-              <a:t>메뉴에서는 영웅 패시브 특성 </a:t>
-            </a:r>
-            <a:r>
-              <a:rPr lang="en-US" altLang="ko-KR" b="1" dirty="0" smtClean="0">
-                <a:solidFill>
-                  <a:schemeClr val="tx1">
-                    <a:lumMod val="65000"/>
-                    <a:lumOff val="35000"/>
-                  </a:schemeClr>
-                </a:solidFill>
-                <a:latin typeface="+mj-ea"/>
-              </a:rPr>
-              <a:t>/</a:t>
-            </a:r>
-            <a:r>
-              <a:rPr lang="ko-KR" altLang="en-US" b="1" dirty="0" smtClean="0">
-                <a:solidFill>
-                  <a:schemeClr val="tx1">
-                    <a:lumMod val="65000"/>
-                    <a:lumOff val="35000"/>
-                  </a:schemeClr>
-                </a:solidFill>
-                <a:latin typeface="+mj-ea"/>
-              </a:rPr>
-              <a:t> 보유 룬과 같은 정보를 열람 가능하다</a:t>
-            </a:r>
-            <a:r>
-              <a:rPr lang="en-US" altLang="ko-KR" b="1" dirty="0" smtClean="0">
-                <a:solidFill>
-                  <a:schemeClr val="tx1">
-                    <a:lumMod val="65000"/>
-                    <a:lumOff val="35000"/>
-                  </a:schemeClr>
-                </a:solidFill>
-                <a:latin typeface="+mj-ea"/>
-              </a:rPr>
-              <a:t>.</a:t>
-            </a:r>
-            <a:endParaRPr lang="ko-KR" altLang="en-US" b="1" u="sng" dirty="0">
-              <a:solidFill>
-                <a:schemeClr val="tx1">
-                  <a:lumMod val="65000"/>
-                  <a:lumOff val="35000"/>
-                </a:schemeClr>
-              </a:solidFill>
-              <a:latin typeface="+mj-ea"/>
-            </a:endParaRPr>
-          </a:p>
-        </p:txBody>
-      </p:sp>
-      <p:sp>
-        <p:nvSpPr>
-          <p:cNvPr id="26" name="직사각형 25"/>
-          <p:cNvSpPr/>
-          <p:nvPr/>
-        </p:nvSpPr>
-        <p:spPr>
-          <a:xfrm>
-            <a:off x="5617923" y="2175638"/>
-            <a:ext cx="2345184" cy="1912649"/>
-          </a:xfrm>
-          <a:prstGeom prst="rect">
-            <a:avLst/>
-          </a:prstGeom>
-        </p:spPr>
-        <p:style>
-          <a:lnRef idx="3">
-            <a:schemeClr val="lt1"/>
-          </a:lnRef>
-          <a:fillRef idx="1">
-            <a:schemeClr val="accent4"/>
-          </a:fillRef>
-          <a:effectRef idx="1">
-            <a:schemeClr val="accent4"/>
-          </a:effectRef>
-          <a:fontRef idx="minor">
-            <a:schemeClr val="lt1"/>
-          </a:fontRef>
-        </p:style>
-        <p:txBody>
-          <a:bodyPr rtlCol="0" anchor="ctr"/>
-          <a:lstStyle/>
-          <a:p>
-            <a:pPr algn="ctr"/>
-            <a:r>
-              <a:rPr kumimoji="1" lang="ko-KR" altLang="en-US" smtClean="0"/>
-              <a:t>보유 룬</a:t>
-            </a:r>
-            <a:endParaRPr kumimoji="1" lang="ko-KR" altLang="en-US" dirty="0"/>
-          </a:p>
-        </p:txBody>
-      </p:sp>
-      <p:sp>
-        <p:nvSpPr>
-          <p:cNvPr id="27" name="직사각형 26"/>
-          <p:cNvSpPr/>
-          <p:nvPr/>
-        </p:nvSpPr>
-        <p:spPr>
-          <a:xfrm>
-            <a:off x="2184527" y="6260127"/>
-            <a:ext cx="8322606" cy="369332"/>
-          </a:xfrm>
-          <a:prstGeom prst="rect">
-            <a:avLst/>
-          </a:prstGeom>
-        </p:spPr>
-        <p:txBody>
-          <a:bodyPr wrap="square">
-            <a:spAutoFit/>
-          </a:bodyPr>
-          <a:lstStyle/>
-          <a:p>
-            <a:r>
-              <a:rPr lang="ko-KR" altLang="en-US" b="1" dirty="0" smtClean="0">
-                <a:solidFill>
-                  <a:schemeClr val="tx1">
-                    <a:lumMod val="65000"/>
-                    <a:lumOff val="35000"/>
-                  </a:schemeClr>
-                </a:solidFill>
-                <a:latin typeface="+mj-ea"/>
-              </a:rPr>
-              <a:t>포인트를 이용한 패시브 특성 분배가 가능하다</a:t>
-            </a:r>
-            <a:r>
-              <a:rPr lang="en-US" altLang="ko-KR" b="1" dirty="0" smtClean="0">
-                <a:solidFill>
-                  <a:schemeClr val="tx1">
-                    <a:lumMod val="65000"/>
-                    <a:lumOff val="35000"/>
-                  </a:schemeClr>
-                </a:solidFill>
-                <a:latin typeface="+mj-ea"/>
-              </a:rPr>
-              <a:t>.</a:t>
-            </a:r>
-            <a:endParaRPr lang="ko-KR" altLang="en-US" b="1" u="sng" dirty="0">
-              <a:solidFill>
-                <a:schemeClr val="tx1">
-                  <a:lumMod val="65000"/>
-                  <a:lumOff val="35000"/>
-                </a:schemeClr>
-              </a:solidFill>
-              <a:latin typeface="+mj-ea"/>
-            </a:endParaRPr>
           </a:p>
         </p:txBody>
       </p:sp>
@@ -29563,7 +29265,7 @@
         <p:spPr>
           <a:xfrm>
             <a:off x="2815998" y="1655484"/>
-            <a:ext cx="6560005" cy="3354765"/>
+            <a:ext cx="6560006" cy="3437329"/>
           </a:xfrm>
           <a:prstGeom prst="rect">
             <a:avLst/>
@@ -29642,6 +29344,18 @@
           </a:p>
           <a:p>
             <a:r>
+              <a:rPr lang="ko-KR" altLang="en-US" b="1" dirty="0" smtClean="0">
+                <a:solidFill>
+                  <a:schemeClr val="tx1">
+                    <a:lumMod val="65000"/>
+                    <a:lumOff val="35000"/>
+                  </a:schemeClr>
+                </a:solidFill>
+                <a:latin typeface="+mj-ea"/>
+              </a:rPr>
+              <a:t>레이드 </a:t>
+            </a:r>
+            <a:r>
               <a:rPr lang="ko-KR" altLang="en-US" b="1" dirty="0">
                 <a:solidFill>
                   <a:schemeClr val="tx1">
@@ -29651,7 +29365,7 @@
                 </a:solidFill>
                 <a:latin typeface="+mj-ea"/>
               </a:rPr>
-              <a:t>레이드 형식의 액션 슈팅 게임</a:t>
+              <a:t>형식의 액션 슈팅 게임</a:t>
             </a:r>
             <a:endParaRPr lang="en-US" altLang="ko-KR" b="1" dirty="0">
               <a:solidFill>
@@ -29676,6 +29390,18 @@
           </a:p>
           <a:p>
             <a:r>
+              <a:rPr lang="en-US" altLang="ko-KR" b="1" dirty="0" smtClean="0">
+                <a:solidFill>
+                  <a:schemeClr val="tx1">
+                    <a:lumMod val="65000"/>
+                    <a:lumOff val="35000"/>
+                  </a:schemeClr>
+                </a:solidFill>
+                <a:latin typeface="+mj-ea"/>
+              </a:rPr>
+              <a:t>Window </a:t>
+            </a:r>
+            <a:r>
               <a:rPr lang="en-US" altLang="ko-KR" b="1" dirty="0">
                 <a:solidFill>
                   <a:schemeClr val="tx1">
@@ -29685,7 +29411,7 @@
                 </a:solidFill>
                 <a:latin typeface="+mj-ea"/>
               </a:rPr>
-              <a:t>Window PC (DirectX 11)</a:t>
+              <a:t>PC (DirectX 11)</a:t>
             </a:r>
           </a:p>
           <a:p>
@@ -30034,6 +29760,250 @@
               <a:solidFill>
                 <a:schemeClr val="tx1"/>
               </a:solidFill>
+            </a:endParaRPr>
+          </a:p>
+        </p:txBody>
+      </p:sp>
+      <p:sp>
+        <p:nvSpPr>
+          <p:cNvPr id="9" name="직사각형 8"/>
+          <p:cNvSpPr/>
+          <p:nvPr/>
+        </p:nvSpPr>
+        <p:spPr>
+          <a:xfrm>
+            <a:off x="2241302" y="5331577"/>
+            <a:ext cx="3095275" cy="1292662"/>
+          </a:xfrm>
+          <a:prstGeom prst="rect">
+            <a:avLst/>
+          </a:prstGeom>
+        </p:spPr>
+        <p:txBody>
+          <a:bodyPr wrap="square">
+            <a:spAutoFit/>
+          </a:bodyPr>
+          <a:lstStyle/>
+          <a:p>
+            <a:r>
+              <a:rPr lang="ko-KR" altLang="en-US" sz="1200" b="1" dirty="0" smtClean="0">
+                <a:solidFill>
+                  <a:schemeClr val="tx1">
+                    <a:lumMod val="65000"/>
+                    <a:lumOff val="35000"/>
+                  </a:schemeClr>
+                </a:solidFill>
+                <a:latin typeface="+mj-ea"/>
+              </a:rPr>
+              <a:t>팀 구성</a:t>
+            </a:r>
+            <a:endParaRPr lang="en-US" altLang="ko-KR" sz="1200" b="1" dirty="0" smtClean="0">
+              <a:solidFill>
+                <a:schemeClr val="tx1">
+                  <a:lumMod val="65000"/>
+                  <a:lumOff val="35000"/>
+                </a:schemeClr>
+              </a:solidFill>
+              <a:latin typeface="+mj-ea"/>
+            </a:endParaRPr>
+          </a:p>
+          <a:p>
+            <a:endParaRPr lang="en-US" altLang="ko-KR" sz="1200" b="1" dirty="0" smtClean="0">
+              <a:solidFill>
+                <a:schemeClr val="tx1">
+                  <a:lumMod val="65000"/>
+                  <a:lumOff val="35000"/>
+                </a:schemeClr>
+              </a:solidFill>
+              <a:latin typeface="+mj-ea"/>
+            </a:endParaRPr>
+          </a:p>
+          <a:p>
+            <a:r>
+              <a:rPr lang="ko-KR" altLang="en-US" sz="1200" b="1" spc="200" dirty="0" smtClean="0">
+                <a:solidFill>
+                  <a:schemeClr val="accent1"/>
+                </a:solidFill>
+                <a:latin typeface="+mj-ea"/>
+              </a:rPr>
+              <a:t>클라이언트</a:t>
+            </a:r>
+            <a:r>
+              <a:rPr lang="en-US" altLang="ko-KR" sz="1200" b="1" dirty="0" smtClean="0">
+                <a:solidFill>
+                  <a:schemeClr val="tx1">
+                    <a:lumMod val="65000"/>
+                    <a:lumOff val="35000"/>
+                  </a:schemeClr>
+                </a:solidFill>
+                <a:latin typeface="+mj-ea"/>
+              </a:rPr>
+              <a:t>: </a:t>
+            </a:r>
+            <a:r>
+              <a:rPr lang="ko-KR" altLang="en-US" sz="1200" b="1" dirty="0" smtClean="0">
+                <a:solidFill>
+                  <a:schemeClr val="tx1">
+                    <a:lumMod val="65000"/>
+                    <a:lumOff val="35000"/>
+                  </a:schemeClr>
+                </a:solidFill>
+                <a:latin typeface="+mj-ea"/>
+              </a:rPr>
+              <a:t>양태윤</a:t>
+            </a:r>
+            <a:endParaRPr lang="en-US" altLang="ko-KR" sz="1200" b="1" dirty="0">
+              <a:solidFill>
+                <a:schemeClr val="tx1">
+                  <a:lumMod val="65000"/>
+                  <a:lumOff val="35000"/>
+                </a:schemeClr>
+              </a:solidFill>
+              <a:latin typeface="+mj-ea"/>
+            </a:endParaRPr>
+          </a:p>
+          <a:p>
+            <a:r>
+              <a:rPr lang="ko-KR" altLang="en-US" sz="1200" b="1" dirty="0" smtClean="0">
+                <a:solidFill>
+                  <a:schemeClr val="accent1"/>
+                </a:solidFill>
+                <a:latin typeface="+mj-ea"/>
+              </a:rPr>
+              <a:t>기획 </a:t>
+            </a:r>
+            <a:r>
+              <a:rPr lang="en-US" altLang="ko-KR" sz="1200" b="1" dirty="0" smtClean="0">
+                <a:solidFill>
+                  <a:schemeClr val="accent1"/>
+                </a:solidFill>
+                <a:latin typeface="+mj-ea"/>
+              </a:rPr>
+              <a:t>&amp;</a:t>
+            </a:r>
+            <a:r>
+              <a:rPr lang="ko-KR" altLang="en-US" sz="1200" b="1" dirty="0" smtClean="0">
+                <a:solidFill>
+                  <a:schemeClr val="accent1"/>
+                </a:solidFill>
+                <a:latin typeface="+mj-ea"/>
+              </a:rPr>
+              <a:t> 서버</a:t>
+            </a:r>
+            <a:r>
+              <a:rPr lang="en-US" altLang="ko-KR" sz="1200" b="1" dirty="0" smtClean="0">
+                <a:solidFill>
+                  <a:schemeClr val="tx1">
+                    <a:lumMod val="65000"/>
+                    <a:lumOff val="35000"/>
+                  </a:schemeClr>
+                </a:solidFill>
+                <a:latin typeface="+mj-ea"/>
+              </a:rPr>
+              <a:t>:</a:t>
+            </a:r>
+            <a:r>
+              <a:rPr lang="ko-KR" altLang="en-US" sz="1200" b="1" dirty="0" smtClean="0">
+                <a:solidFill>
+                  <a:schemeClr val="tx1">
+                    <a:lumMod val="65000"/>
+                    <a:lumOff val="35000"/>
+                  </a:schemeClr>
+                </a:solidFill>
+                <a:latin typeface="+mj-ea"/>
+              </a:rPr>
+              <a:t> 김홍일</a:t>
+            </a:r>
+            <a:endParaRPr lang="en-US" altLang="ko-KR" sz="1200" b="1" dirty="0" smtClean="0">
+              <a:solidFill>
+                <a:schemeClr val="tx1">
+                  <a:lumMod val="65000"/>
+                  <a:lumOff val="35000"/>
+                </a:schemeClr>
+              </a:solidFill>
+              <a:latin typeface="+mj-ea"/>
+            </a:endParaRPr>
+          </a:p>
+          <a:p>
+            <a:r>
+              <a:rPr lang="ko-KR" altLang="en-US" sz="1200" b="1" dirty="0" smtClean="0">
+                <a:solidFill>
+                  <a:schemeClr val="accent1"/>
+                </a:solidFill>
+                <a:latin typeface="+mj-ea"/>
+              </a:rPr>
+              <a:t>모델링 </a:t>
+            </a:r>
+            <a:r>
+              <a:rPr lang="en-US" altLang="ko-KR" sz="1200" b="1" dirty="0" smtClean="0">
+                <a:solidFill>
+                  <a:schemeClr val="accent1"/>
+                </a:solidFill>
+                <a:latin typeface="+mj-ea"/>
+              </a:rPr>
+              <a:t>&amp;</a:t>
+            </a:r>
+            <a:r>
+              <a:rPr lang="ko-KR" altLang="en-US" sz="1200" b="1" dirty="0" smtClean="0">
+                <a:solidFill>
+                  <a:schemeClr val="accent1"/>
+                </a:solidFill>
+                <a:latin typeface="+mj-ea"/>
+              </a:rPr>
+              <a:t> </a:t>
+            </a:r>
+            <a:r>
+              <a:rPr lang="en-US" altLang="ko-KR" sz="1200" b="1" dirty="0" smtClean="0">
+                <a:solidFill>
+                  <a:schemeClr val="accent1"/>
+                </a:solidFill>
+                <a:latin typeface="+mj-ea"/>
+              </a:rPr>
+              <a:t>UI</a:t>
+            </a:r>
+            <a:r>
+              <a:rPr lang="en-US" altLang="ko-KR" sz="1200" b="1" dirty="0" smtClean="0">
+                <a:solidFill>
+                  <a:schemeClr val="tx1">
+                    <a:lumMod val="65000"/>
+                    <a:lumOff val="35000"/>
+                  </a:schemeClr>
+                </a:solidFill>
+                <a:latin typeface="+mj-ea"/>
+              </a:rPr>
+              <a:t>:</a:t>
+            </a:r>
+            <a:r>
+              <a:rPr lang="ko-KR" altLang="en-US" sz="1200" b="1" dirty="0" smtClean="0">
+                <a:solidFill>
+                  <a:schemeClr val="tx1">
+                    <a:lumMod val="65000"/>
+                    <a:lumOff val="35000"/>
+                  </a:schemeClr>
+                </a:solidFill>
+                <a:latin typeface="+mj-ea"/>
+              </a:rPr>
+              <a:t> 조소연</a:t>
+            </a:r>
+            <a:endParaRPr lang="en-US" altLang="ko-KR" sz="1200" b="1" dirty="0" smtClean="0">
+              <a:solidFill>
+                <a:schemeClr val="tx1">
+                  <a:lumMod val="65000"/>
+                  <a:lumOff val="35000"/>
+                </a:schemeClr>
+              </a:solidFill>
+              <a:latin typeface="+mj-ea"/>
+            </a:endParaRPr>
+          </a:p>
+          <a:p>
+            <a:endParaRPr lang="en-US" altLang="ko-KR" b="1" dirty="0">
+              <a:solidFill>
+                <a:schemeClr val="tx1">
+                  <a:lumMod val="65000"/>
+                  <a:lumOff val="35000"/>
+                </a:schemeClr>
+              </a:solidFill>
+              <a:latin typeface="+mj-ea"/>
             </a:endParaRPr>
           </a:p>
         </p:txBody>
@@ -34437,6 +34407,1435 @@
           </a:p>
         </p:txBody>
       </p:sp>
+      <p:sp>
+        <p:nvSpPr>
+          <p:cNvPr id="4" name="수행의 시작/종료 3"/>
+          <p:cNvSpPr/>
+          <p:nvPr/>
+        </p:nvSpPr>
+        <p:spPr>
+          <a:xfrm>
+            <a:off x="2170550" y="1785146"/>
+            <a:ext cx="1440000" cy="360000"/>
+          </a:xfrm>
+          <a:prstGeom prst="flowChartTerminator">
+            <a:avLst/>
+          </a:prstGeom>
+          <a:solidFill>
+            <a:srgbClr val="B1D245"/>
+          </a:solidFill>
+          <a:ln w="25400">
+            <a:solidFill>
+              <a:srgbClr val="59606B"/>
+            </a:solidFill>
+          </a:ln>
+        </p:spPr>
+        <p:style>
+          <a:lnRef idx="2">
+            <a:schemeClr val="accent1">
+              <a:shade val="50000"/>
+            </a:schemeClr>
+          </a:lnRef>
+          <a:fillRef idx="1">
+            <a:schemeClr val="accent1"/>
+          </a:fillRef>
+          <a:effectRef idx="0">
+            <a:schemeClr val="accent1"/>
+          </a:effectRef>
+          <a:fontRef idx="minor">
+            <a:schemeClr val="lt1"/>
+          </a:fontRef>
+        </p:style>
+        <p:txBody>
+          <a:bodyPr rtlCol="0" anchor="ctr"/>
+          <a:lstStyle/>
+          <a:p>
+            <a:pPr algn="ctr"/>
+            <a:r>
+              <a:rPr kumimoji="1" lang="en-US" altLang="ko-KR" dirty="0" smtClean="0"/>
+              <a:t>Start</a:t>
+            </a:r>
+            <a:endParaRPr kumimoji="1" lang="ko-KR" altLang="en-US" sz="2000" dirty="0"/>
+          </a:p>
+        </p:txBody>
+      </p:sp>
+      <p:sp>
+        <p:nvSpPr>
+          <p:cNvPr id="5" name="판단 4"/>
+          <p:cNvSpPr/>
+          <p:nvPr/>
+        </p:nvSpPr>
+        <p:spPr>
+          <a:xfrm>
+            <a:off x="2170550" y="2443125"/>
+            <a:ext cx="1440000" cy="360000"/>
+          </a:xfrm>
+          <a:prstGeom prst="flowChartDecision">
+            <a:avLst/>
+          </a:prstGeom>
+          <a:solidFill>
+            <a:srgbClr val="F56E4B"/>
+          </a:solidFill>
+          <a:ln w="25400">
+            <a:solidFill>
+              <a:srgbClr val="59606B"/>
+            </a:solidFill>
+          </a:ln>
+        </p:spPr>
+        <p:style>
+          <a:lnRef idx="2">
+            <a:schemeClr val="accent1">
+              <a:shade val="50000"/>
+            </a:schemeClr>
+          </a:lnRef>
+          <a:fillRef idx="1">
+            <a:schemeClr val="accent1"/>
+          </a:fillRef>
+          <a:effectRef idx="0">
+            <a:schemeClr val="accent1"/>
+          </a:effectRef>
+          <a:fontRef idx="minor">
+            <a:schemeClr val="lt1"/>
+          </a:fontRef>
+        </p:style>
+        <p:txBody>
+          <a:bodyPr rtlCol="0" anchor="ctr"/>
+          <a:lstStyle/>
+          <a:p>
+            <a:pPr algn="ctr"/>
+            <a:r>
+              <a:rPr kumimoji="1" lang="en-US" altLang="ko-KR" sz="900" dirty="0" smtClean="0"/>
+              <a:t>Player == 3</a:t>
+            </a:r>
+            <a:endParaRPr kumimoji="1" lang="ko-KR" altLang="en-US" sz="900" dirty="0"/>
+          </a:p>
+        </p:txBody>
+      </p:sp>
+      <p:sp>
+        <p:nvSpPr>
+          <p:cNvPr id="8" name="처리 7"/>
+          <p:cNvSpPr/>
+          <p:nvPr/>
+        </p:nvSpPr>
+        <p:spPr>
+          <a:xfrm>
+            <a:off x="2170550" y="3101104"/>
+            <a:ext cx="1440000" cy="180000"/>
+          </a:xfrm>
+          <a:prstGeom prst="flowChartProcess">
+            <a:avLst/>
+          </a:prstGeom>
+          <a:solidFill>
+            <a:srgbClr val="EFC252"/>
+          </a:solidFill>
+          <a:ln w="25400">
+            <a:solidFill>
+              <a:srgbClr val="59606B"/>
+            </a:solidFill>
+          </a:ln>
+        </p:spPr>
+        <p:style>
+          <a:lnRef idx="2">
+            <a:schemeClr val="accent1">
+              <a:shade val="50000"/>
+            </a:schemeClr>
+          </a:lnRef>
+          <a:fillRef idx="1">
+            <a:schemeClr val="accent1"/>
+          </a:fillRef>
+          <a:effectRef idx="0">
+            <a:schemeClr val="accent1"/>
+          </a:effectRef>
+          <a:fontRef idx="minor">
+            <a:schemeClr val="lt1"/>
+          </a:fontRef>
+        </p:style>
+        <p:txBody>
+          <a:bodyPr rtlCol="0" anchor="ctr"/>
+          <a:lstStyle/>
+          <a:p>
+            <a:pPr algn="ctr"/>
+            <a:r>
+              <a:rPr kumimoji="1" lang="ko-KR" altLang="en-US" sz="900" dirty="0" smtClean="0"/>
+              <a:t>영웅 선택</a:t>
+            </a:r>
+            <a:endParaRPr kumimoji="1" lang="ko-KR" altLang="en-US" sz="900" dirty="0"/>
+          </a:p>
+        </p:txBody>
+      </p:sp>
+      <p:sp>
+        <p:nvSpPr>
+          <p:cNvPr id="14" name="수행의 시작/종료 13"/>
+          <p:cNvSpPr/>
+          <p:nvPr/>
+        </p:nvSpPr>
+        <p:spPr>
+          <a:xfrm>
+            <a:off x="2170550" y="5712963"/>
+            <a:ext cx="1440000" cy="360000"/>
+          </a:xfrm>
+          <a:prstGeom prst="flowChartTerminator">
+            <a:avLst/>
+          </a:prstGeom>
+          <a:solidFill>
+            <a:srgbClr val="B1D245"/>
+          </a:solidFill>
+          <a:ln w="25400">
+            <a:solidFill>
+              <a:srgbClr val="59606B"/>
+            </a:solidFill>
+          </a:ln>
+        </p:spPr>
+        <p:style>
+          <a:lnRef idx="2">
+            <a:schemeClr val="accent1">
+              <a:shade val="50000"/>
+            </a:schemeClr>
+          </a:lnRef>
+          <a:fillRef idx="1">
+            <a:schemeClr val="accent1"/>
+          </a:fillRef>
+          <a:effectRef idx="0">
+            <a:schemeClr val="accent1"/>
+          </a:effectRef>
+          <a:fontRef idx="minor">
+            <a:schemeClr val="lt1"/>
+          </a:fontRef>
+        </p:style>
+        <p:txBody>
+          <a:bodyPr rtlCol="0" anchor="ctr"/>
+          <a:lstStyle/>
+          <a:p>
+            <a:pPr algn="ctr"/>
+            <a:r>
+              <a:rPr kumimoji="1" lang="en-US" altLang="ko-KR" dirty="0" smtClean="0"/>
+              <a:t>End</a:t>
+            </a:r>
+            <a:endParaRPr kumimoji="1" lang="ko-KR" altLang="en-US" dirty="0"/>
+          </a:p>
+        </p:txBody>
+      </p:sp>
+      <p:sp>
+        <p:nvSpPr>
+          <p:cNvPr id="9" name="준비 8"/>
+          <p:cNvSpPr/>
+          <p:nvPr/>
+        </p:nvSpPr>
+        <p:spPr>
+          <a:xfrm>
+            <a:off x="2170550" y="3579083"/>
+            <a:ext cx="1440000" cy="360000"/>
+          </a:xfrm>
+          <a:prstGeom prst="flowChartPreparation">
+            <a:avLst/>
+          </a:prstGeom>
+          <a:solidFill>
+            <a:srgbClr val="0070C0"/>
+          </a:solidFill>
+          <a:ln w="25400">
+            <a:solidFill>
+              <a:srgbClr val="59606B"/>
+            </a:solidFill>
+          </a:ln>
+        </p:spPr>
+        <p:style>
+          <a:lnRef idx="2">
+            <a:schemeClr val="accent1">
+              <a:shade val="50000"/>
+            </a:schemeClr>
+          </a:lnRef>
+          <a:fillRef idx="1">
+            <a:schemeClr val="accent1"/>
+          </a:fillRef>
+          <a:effectRef idx="0">
+            <a:schemeClr val="accent1"/>
+          </a:effectRef>
+          <a:fontRef idx="minor">
+            <a:schemeClr val="lt1"/>
+          </a:fontRef>
+        </p:style>
+        <p:txBody>
+          <a:bodyPr rtlCol="0" anchor="ctr"/>
+          <a:lstStyle/>
+          <a:p>
+            <a:pPr algn="ctr"/>
+            <a:r>
+              <a:rPr kumimoji="1" lang="en-US" altLang="ko-KR" sz="900" dirty="0"/>
+              <a:t>w</a:t>
+            </a:r>
+            <a:r>
+              <a:rPr kumimoji="1" lang="en-US" altLang="ko-KR" sz="900" dirty="0" smtClean="0"/>
+              <a:t>hile(</a:t>
+            </a:r>
+            <a:r>
+              <a:rPr kumimoji="1" lang="ko-KR" altLang="en-US" sz="900" dirty="0" smtClean="0"/>
+              <a:t>보스</a:t>
+            </a:r>
+            <a:r>
+              <a:rPr kumimoji="1" lang="en-US" altLang="ko-KR" sz="900" dirty="0" smtClean="0"/>
+              <a:t>)</a:t>
+            </a:r>
+            <a:endParaRPr kumimoji="1" lang="ko-KR" altLang="en-US" sz="900" dirty="0"/>
+          </a:p>
+        </p:txBody>
+      </p:sp>
+      <p:sp>
+        <p:nvSpPr>
+          <p:cNvPr id="16" name="판단 15"/>
+          <p:cNvSpPr/>
+          <p:nvPr/>
+        </p:nvSpPr>
+        <p:spPr>
+          <a:xfrm>
+            <a:off x="2170550" y="4715041"/>
+            <a:ext cx="1440000" cy="360000"/>
+          </a:xfrm>
+          <a:prstGeom prst="flowChartDecision">
+            <a:avLst/>
+          </a:prstGeom>
+          <a:solidFill>
+            <a:srgbClr val="F56E4B"/>
+          </a:solidFill>
+          <a:ln w="25400">
+            <a:solidFill>
+              <a:srgbClr val="59606B"/>
+            </a:solidFill>
+          </a:ln>
+        </p:spPr>
+        <p:style>
+          <a:lnRef idx="2">
+            <a:schemeClr val="accent1">
+              <a:shade val="50000"/>
+            </a:schemeClr>
+          </a:lnRef>
+          <a:fillRef idx="1">
+            <a:schemeClr val="accent1"/>
+          </a:fillRef>
+          <a:effectRef idx="0">
+            <a:schemeClr val="accent1"/>
+          </a:effectRef>
+          <a:fontRef idx="minor">
+            <a:schemeClr val="lt1"/>
+          </a:fontRef>
+        </p:style>
+        <p:txBody>
+          <a:bodyPr rtlCol="0" anchor="ctr"/>
+          <a:lstStyle/>
+          <a:p>
+            <a:pPr algn="ctr"/>
+            <a:r>
+              <a:rPr kumimoji="1" lang="ko-KR" altLang="en-US" sz="900" dirty="0" smtClean="0"/>
+              <a:t>승리</a:t>
+            </a:r>
+            <a:r>
+              <a:rPr kumimoji="1" lang="en-US" altLang="ko-KR" sz="900" dirty="0" smtClean="0"/>
+              <a:t>?</a:t>
+            </a:r>
+            <a:endParaRPr kumimoji="1" lang="ko-KR" altLang="en-US" sz="900" dirty="0"/>
+          </a:p>
+        </p:txBody>
+      </p:sp>
+      <p:cxnSp>
+        <p:nvCxnSpPr>
+          <p:cNvPr id="15" name="직선 화살표 연결선 14"/>
+          <p:cNvCxnSpPr>
+            <a:stCxn id="4" idx="2"/>
+            <a:endCxn id="5" idx="0"/>
+          </p:cNvCxnSpPr>
+          <p:nvPr/>
+        </p:nvCxnSpPr>
+        <p:spPr>
+          <a:xfrm>
+            <a:off x="2890550" y="2145146"/>
+            <a:ext cx="0" cy="297979"/>
+          </a:xfrm>
+          <a:prstGeom prst="straightConnector1">
+            <a:avLst/>
+          </a:prstGeom>
+          <a:ln w="22225">
+            <a:solidFill>
+              <a:srgbClr val="59606B"/>
+            </a:solidFill>
+            <a:tailEnd type="triangle"/>
+          </a:ln>
+        </p:spPr>
+        <p:style>
+          <a:lnRef idx="1">
+            <a:schemeClr val="accent1"/>
+          </a:lnRef>
+          <a:fillRef idx="0">
+            <a:schemeClr val="accent1"/>
+          </a:fillRef>
+          <a:effectRef idx="0">
+            <a:schemeClr val="accent1"/>
+          </a:effectRef>
+          <a:fontRef idx="minor">
+            <a:schemeClr val="tx1"/>
+          </a:fontRef>
+        </p:style>
+      </p:cxnSp>
+      <p:cxnSp>
+        <p:nvCxnSpPr>
+          <p:cNvPr id="18" name="직선 화살표 연결선 17"/>
+          <p:cNvCxnSpPr>
+            <a:stCxn id="5" idx="2"/>
+            <a:endCxn id="8" idx="0"/>
+          </p:cNvCxnSpPr>
+          <p:nvPr/>
+        </p:nvCxnSpPr>
+        <p:spPr>
+          <a:xfrm>
+            <a:off x="2890550" y="2803125"/>
+            <a:ext cx="0" cy="297979"/>
+          </a:xfrm>
+          <a:prstGeom prst="straightConnector1">
+            <a:avLst/>
+          </a:prstGeom>
+          <a:ln w="22225">
+            <a:solidFill>
+              <a:srgbClr val="59606B"/>
+            </a:solidFill>
+            <a:tailEnd type="triangle"/>
+          </a:ln>
+        </p:spPr>
+        <p:style>
+          <a:lnRef idx="1">
+            <a:schemeClr val="accent1"/>
+          </a:lnRef>
+          <a:fillRef idx="0">
+            <a:schemeClr val="accent1"/>
+          </a:fillRef>
+          <a:effectRef idx="0">
+            <a:schemeClr val="accent1"/>
+          </a:effectRef>
+          <a:fontRef idx="minor">
+            <a:schemeClr val="tx1"/>
+          </a:fontRef>
+        </p:style>
+      </p:cxnSp>
+      <p:cxnSp>
+        <p:nvCxnSpPr>
+          <p:cNvPr id="22" name="꺾인 연결선[E] 21"/>
+          <p:cNvCxnSpPr/>
+          <p:nvPr/>
+        </p:nvCxnSpPr>
+        <p:spPr>
+          <a:xfrm rot="10800000">
+            <a:off x="2890551" y="2270615"/>
+            <a:ext cx="720001" cy="350389"/>
+          </a:xfrm>
+          <a:prstGeom prst="bentConnector3">
+            <a:avLst>
+              <a:gd name="adj1" fmla="val -32100"/>
+            </a:avLst>
+          </a:prstGeom>
+          <a:ln w="22225">
+            <a:solidFill>
+              <a:srgbClr val="59606B"/>
+            </a:solidFill>
+            <a:tailEnd type="triangle"/>
+          </a:ln>
+        </p:spPr>
+        <p:style>
+          <a:lnRef idx="1">
+            <a:schemeClr val="accent1"/>
+          </a:lnRef>
+          <a:fillRef idx="0">
+            <a:schemeClr val="accent1"/>
+          </a:fillRef>
+          <a:effectRef idx="0">
+            <a:schemeClr val="accent1"/>
+          </a:effectRef>
+          <a:fontRef idx="minor">
+            <a:schemeClr val="tx1"/>
+          </a:fontRef>
+        </p:style>
+      </p:cxnSp>
+      <p:cxnSp>
+        <p:nvCxnSpPr>
+          <p:cNvPr id="29" name="직선 연결선[R] 28"/>
+          <p:cNvCxnSpPr>
+            <a:stCxn id="9" idx="2"/>
+            <a:endCxn id="16" idx="0"/>
+          </p:cNvCxnSpPr>
+          <p:nvPr/>
+        </p:nvCxnSpPr>
+        <p:spPr>
+          <a:xfrm>
+            <a:off x="2890550" y="3939083"/>
+            <a:ext cx="0" cy="775958"/>
+          </a:xfrm>
+          <a:prstGeom prst="line">
+            <a:avLst/>
+          </a:prstGeom>
+          <a:ln w="22225">
+            <a:solidFill>
+              <a:srgbClr val="59606B"/>
+            </a:solidFill>
+          </a:ln>
+        </p:spPr>
+        <p:style>
+          <a:lnRef idx="1">
+            <a:schemeClr val="accent1"/>
+          </a:lnRef>
+          <a:fillRef idx="0">
+            <a:schemeClr val="accent1"/>
+          </a:fillRef>
+          <a:effectRef idx="0">
+            <a:schemeClr val="accent1"/>
+          </a:effectRef>
+          <a:fontRef idx="minor">
+            <a:schemeClr val="tx1"/>
+          </a:fontRef>
+        </p:style>
+      </p:cxnSp>
+      <p:sp>
+        <p:nvSpPr>
+          <p:cNvPr id="13" name="처리 12"/>
+          <p:cNvSpPr/>
+          <p:nvPr/>
+        </p:nvSpPr>
+        <p:spPr>
+          <a:xfrm>
+            <a:off x="2170550" y="4181646"/>
+            <a:ext cx="1440000" cy="339526"/>
+          </a:xfrm>
+          <a:prstGeom prst="flowChartProcess">
+            <a:avLst/>
+          </a:prstGeom>
+          <a:solidFill>
+            <a:srgbClr val="93C9C2"/>
+          </a:solidFill>
+          <a:ln w="25400">
+            <a:solidFill>
+              <a:srgbClr val="59606B"/>
+            </a:solidFill>
+          </a:ln>
+        </p:spPr>
+        <p:style>
+          <a:lnRef idx="2">
+            <a:schemeClr val="accent1">
+              <a:shade val="50000"/>
+            </a:schemeClr>
+          </a:lnRef>
+          <a:fillRef idx="1">
+            <a:schemeClr val="accent1"/>
+          </a:fillRef>
+          <a:effectRef idx="0">
+            <a:schemeClr val="accent1"/>
+          </a:effectRef>
+          <a:fontRef idx="minor">
+            <a:schemeClr val="lt1"/>
+          </a:fontRef>
+        </p:style>
+        <p:txBody>
+          <a:bodyPr rtlCol="0" anchor="ctr"/>
+          <a:lstStyle/>
+          <a:p>
+            <a:pPr algn="ctr"/>
+            <a:r>
+              <a:rPr kumimoji="1" lang="ko-KR" altLang="en-US" sz="900" dirty="0" smtClean="0"/>
+              <a:t>전투</a:t>
+            </a:r>
+            <a:endParaRPr kumimoji="1" lang="ko-KR" altLang="en-US" sz="900" dirty="0"/>
+          </a:p>
+        </p:txBody>
+      </p:sp>
+      <p:cxnSp>
+        <p:nvCxnSpPr>
+          <p:cNvPr id="31" name="직선 화살표 연결선 30"/>
+          <p:cNvCxnSpPr>
+            <a:stCxn id="8" idx="2"/>
+            <a:endCxn id="9" idx="0"/>
+          </p:cNvCxnSpPr>
+          <p:nvPr/>
+        </p:nvCxnSpPr>
+        <p:spPr>
+          <a:xfrm>
+            <a:off x="2890550" y="3281104"/>
+            <a:ext cx="0" cy="297979"/>
+          </a:xfrm>
+          <a:prstGeom prst="straightConnector1">
+            <a:avLst/>
+          </a:prstGeom>
+          <a:ln w="22225">
+            <a:solidFill>
+              <a:srgbClr val="59606B"/>
+            </a:solidFill>
+            <a:tailEnd type="triangle"/>
+          </a:ln>
+        </p:spPr>
+        <p:style>
+          <a:lnRef idx="1">
+            <a:schemeClr val="accent1"/>
+          </a:lnRef>
+          <a:fillRef idx="0">
+            <a:schemeClr val="accent1"/>
+          </a:fillRef>
+          <a:effectRef idx="0">
+            <a:schemeClr val="accent1"/>
+          </a:effectRef>
+          <a:fontRef idx="minor">
+            <a:schemeClr val="tx1"/>
+          </a:fontRef>
+        </p:style>
+      </p:cxnSp>
+      <p:cxnSp>
+        <p:nvCxnSpPr>
+          <p:cNvPr id="33" name="꺾인 연결선[E] 32"/>
+          <p:cNvCxnSpPr>
+            <a:stCxn id="16" idx="2"/>
+            <a:endCxn id="9" idx="3"/>
+          </p:cNvCxnSpPr>
+          <p:nvPr/>
+        </p:nvCxnSpPr>
+        <p:spPr>
+          <a:xfrm rot="5400000" flipH="1" flipV="1">
+            <a:off x="2592571" y="4057062"/>
+            <a:ext cx="1315958" cy="720000"/>
+          </a:xfrm>
+          <a:prstGeom prst="bentConnector4">
+            <a:avLst>
+              <a:gd name="adj1" fmla="val -17371"/>
+              <a:gd name="adj2" fmla="val 131750"/>
+            </a:avLst>
+          </a:prstGeom>
+          <a:ln w="22225">
+            <a:solidFill>
+              <a:srgbClr val="59606B"/>
+            </a:solidFill>
+            <a:tailEnd type="triangle"/>
+          </a:ln>
+        </p:spPr>
+        <p:style>
+          <a:lnRef idx="1">
+            <a:schemeClr val="accent1"/>
+          </a:lnRef>
+          <a:fillRef idx="0">
+            <a:schemeClr val="accent1"/>
+          </a:fillRef>
+          <a:effectRef idx="0">
+            <a:schemeClr val="accent1"/>
+          </a:effectRef>
+          <a:fontRef idx="minor">
+            <a:schemeClr val="tx1"/>
+          </a:fontRef>
+        </p:style>
+      </p:cxnSp>
+      <p:cxnSp>
+        <p:nvCxnSpPr>
+          <p:cNvPr id="37" name="꺾인 연결선[E] 36"/>
+          <p:cNvCxnSpPr>
+            <a:stCxn id="16" idx="3"/>
+            <a:endCxn id="4" idx="3"/>
+          </p:cNvCxnSpPr>
+          <p:nvPr/>
+        </p:nvCxnSpPr>
+        <p:spPr>
+          <a:xfrm flipV="1">
+            <a:off x="3610550" y="1965146"/>
+            <a:ext cx="12700" cy="2929895"/>
+          </a:xfrm>
+          <a:prstGeom prst="bentConnector3">
+            <a:avLst>
+              <a:gd name="adj1" fmla="val 6672724"/>
+            </a:avLst>
+          </a:prstGeom>
+          <a:ln w="22225">
+            <a:solidFill>
+              <a:srgbClr val="59606B"/>
+            </a:solidFill>
+            <a:tailEnd type="triangle"/>
+          </a:ln>
+        </p:spPr>
+        <p:style>
+          <a:lnRef idx="1">
+            <a:schemeClr val="accent1"/>
+          </a:lnRef>
+          <a:fillRef idx="0">
+            <a:schemeClr val="accent1"/>
+          </a:fillRef>
+          <a:effectRef idx="0">
+            <a:schemeClr val="accent1"/>
+          </a:effectRef>
+          <a:fontRef idx="minor">
+            <a:schemeClr val="tx1"/>
+          </a:fontRef>
+        </p:style>
+      </p:cxnSp>
+      <p:cxnSp>
+        <p:nvCxnSpPr>
+          <p:cNvPr id="40" name="꺾인 연결선[E] 39"/>
+          <p:cNvCxnSpPr>
+            <a:stCxn id="9" idx="1"/>
+            <a:endCxn id="14" idx="1"/>
+          </p:cNvCxnSpPr>
+          <p:nvPr/>
+        </p:nvCxnSpPr>
+        <p:spPr>
+          <a:xfrm rot="10800000" flipV="1">
+            <a:off x="2170550" y="3759083"/>
+            <a:ext cx="12700" cy="2133880"/>
+          </a:xfrm>
+          <a:prstGeom prst="bentConnector3">
+            <a:avLst>
+              <a:gd name="adj1" fmla="val 1800000"/>
+            </a:avLst>
+          </a:prstGeom>
+          <a:ln w="22225">
+            <a:solidFill>
+              <a:srgbClr val="59606B"/>
+            </a:solidFill>
+            <a:tailEnd type="triangle"/>
+          </a:ln>
+        </p:spPr>
+        <p:style>
+          <a:lnRef idx="1">
+            <a:schemeClr val="accent1"/>
+          </a:lnRef>
+          <a:fillRef idx="0">
+            <a:schemeClr val="accent1"/>
+          </a:fillRef>
+          <a:effectRef idx="0">
+            <a:schemeClr val="accent1"/>
+          </a:effectRef>
+          <a:fontRef idx="minor">
+            <a:schemeClr val="tx1"/>
+          </a:fontRef>
+        </p:style>
+      </p:cxnSp>
+      <p:sp>
+        <p:nvSpPr>
+          <p:cNvPr id="46" name="텍스트 상자 45"/>
+          <p:cNvSpPr txBox="1"/>
+          <p:nvPr/>
+        </p:nvSpPr>
+        <p:spPr>
+          <a:xfrm>
+            <a:off x="3160184" y="5278146"/>
+            <a:ext cx="443346" cy="246221"/>
+          </a:xfrm>
+          <a:prstGeom prst="rect">
+            <a:avLst/>
+          </a:prstGeom>
+          <a:noFill/>
+        </p:spPr>
+        <p:txBody>
+          <a:bodyPr wrap="square" rtlCol="0">
+            <a:spAutoFit/>
+          </a:bodyPr>
+          <a:lstStyle/>
+          <a:p>
+            <a:r>
+              <a:rPr kumimoji="1" lang="ko-KR" altLang="en-US" sz="1000" b="1" dirty="0" smtClean="0">
+                <a:solidFill>
+                  <a:srgbClr val="59606B"/>
+                </a:solidFill>
+              </a:rPr>
+              <a:t>승리</a:t>
+            </a:r>
+            <a:endParaRPr kumimoji="1" lang="ko-KR" altLang="en-US" sz="1000" b="1" dirty="0">
+              <a:solidFill>
+                <a:srgbClr val="59606B"/>
+              </a:solidFill>
+            </a:endParaRPr>
+          </a:p>
+        </p:txBody>
+      </p:sp>
+      <p:sp>
+        <p:nvSpPr>
+          <p:cNvPr id="47" name="텍스트 상자 46"/>
+          <p:cNvSpPr txBox="1"/>
+          <p:nvPr/>
+        </p:nvSpPr>
+        <p:spPr>
+          <a:xfrm>
+            <a:off x="4417871" y="3306982"/>
+            <a:ext cx="443346" cy="246221"/>
+          </a:xfrm>
+          <a:prstGeom prst="rect">
+            <a:avLst/>
+          </a:prstGeom>
+          <a:noFill/>
+        </p:spPr>
+        <p:txBody>
+          <a:bodyPr wrap="square" rtlCol="0">
+            <a:spAutoFit/>
+          </a:bodyPr>
+          <a:lstStyle/>
+          <a:p>
+            <a:r>
+              <a:rPr kumimoji="1" lang="ko-KR" altLang="en-US" sz="1000" b="1" dirty="0" smtClean="0">
+                <a:solidFill>
+                  <a:srgbClr val="59606B"/>
+                </a:solidFill>
+              </a:rPr>
+              <a:t>패배</a:t>
+            </a:r>
+            <a:endParaRPr kumimoji="1" lang="ko-KR" altLang="en-US" sz="1000" b="1" dirty="0">
+              <a:solidFill>
+                <a:srgbClr val="59606B"/>
+              </a:solidFill>
+            </a:endParaRPr>
+          </a:p>
+        </p:txBody>
+      </p:sp>
+      <p:sp>
+        <p:nvSpPr>
+          <p:cNvPr id="48" name="직사각형 47"/>
+          <p:cNvSpPr/>
+          <p:nvPr/>
+        </p:nvSpPr>
+        <p:spPr>
+          <a:xfrm>
+            <a:off x="5110600" y="1793131"/>
+            <a:ext cx="5557400" cy="2657632"/>
+          </a:xfrm>
+          <a:prstGeom prst="rect">
+            <a:avLst/>
+          </a:prstGeom>
+          <a:noFill/>
+          <a:ln w="25400">
+            <a:solidFill>
+              <a:srgbClr val="59606B"/>
+            </a:solidFill>
+          </a:ln>
+        </p:spPr>
+        <p:style>
+          <a:lnRef idx="2">
+            <a:schemeClr val="dk1"/>
+          </a:lnRef>
+          <a:fillRef idx="1">
+            <a:schemeClr val="lt1"/>
+          </a:fillRef>
+          <a:effectRef idx="0">
+            <a:schemeClr val="dk1"/>
+          </a:effectRef>
+          <a:fontRef idx="minor">
+            <a:schemeClr val="dk1"/>
+          </a:fontRef>
+        </p:style>
+        <p:txBody>
+          <a:bodyPr rtlCol="0" anchor="ctr"/>
+          <a:lstStyle/>
+          <a:p>
+            <a:pPr algn="ctr"/>
+            <a:endParaRPr kumimoji="1" lang="ko-KR" altLang="en-US">
+              <a:solidFill>
+                <a:srgbClr val="59606B"/>
+              </a:solidFill>
+            </a:endParaRPr>
+          </a:p>
+        </p:txBody>
+      </p:sp>
+      <p:pic>
+        <p:nvPicPr>
+          <p:cNvPr id="58" name="그림 57"/>
+          <p:cNvPicPr>
+            <a:picLocks noChangeAspect="1"/>
+          </p:cNvPicPr>
+          <p:nvPr/>
+        </p:nvPicPr>
+        <p:blipFill>
+          <a:blip r:embed="rId2">
+            <a:extLst>
+              <a:ext uri="{28A0092B-C50C-407E-A947-70E740481C1C}">
+                <a14:useLocalDpi xmlns:a14="http://schemas.microsoft.com/office/drawing/2010/main" val="0"/>
+              </a:ext>
+            </a:extLst>
+          </a:blip>
+          <a:stretch>
+            <a:fillRect/>
+          </a:stretch>
+        </p:blipFill>
+        <p:spPr>
+          <a:xfrm>
+            <a:off x="8528677" y="2200348"/>
+            <a:ext cx="578711" cy="578711"/>
+          </a:xfrm>
+          <a:prstGeom prst="rect">
+            <a:avLst/>
+          </a:prstGeom>
+        </p:spPr>
+      </p:pic>
+      <p:pic>
+        <p:nvPicPr>
+          <p:cNvPr id="59" name="그림 58"/>
+          <p:cNvPicPr>
+            <a:picLocks noChangeAspect="1"/>
+          </p:cNvPicPr>
+          <p:nvPr/>
+        </p:nvPicPr>
+        <p:blipFill>
+          <a:blip r:embed="rId3">
+            <a:duotone>
+              <a:prstClr val="black"/>
+              <a:srgbClr val="FF0000">
+                <a:tint val="45000"/>
+                <a:satMod val="400000"/>
+              </a:srgbClr>
+            </a:duotone>
+            <a:extLst>
+              <a:ext uri="{28A0092B-C50C-407E-A947-70E740481C1C}">
+                <a14:useLocalDpi xmlns:a14="http://schemas.microsoft.com/office/drawing/2010/main" val="0"/>
+              </a:ext>
+            </a:extLst>
+          </a:blip>
+          <a:stretch>
+            <a:fillRect/>
+          </a:stretch>
+        </p:blipFill>
+        <p:spPr>
+          <a:xfrm>
+            <a:off x="7913984" y="2938572"/>
+            <a:ext cx="417812" cy="417812"/>
+          </a:xfrm>
+          <a:prstGeom prst="rect">
+            <a:avLst/>
+          </a:prstGeom>
+        </p:spPr>
+      </p:pic>
+      <p:pic>
+        <p:nvPicPr>
+          <p:cNvPr id="60" name="그림 59"/>
+          <p:cNvPicPr>
+            <a:picLocks noChangeAspect="1"/>
+          </p:cNvPicPr>
+          <p:nvPr/>
+        </p:nvPicPr>
+        <p:blipFill>
+          <a:blip r:embed="rId4">
+            <a:extLst>
+              <a:ext uri="{28A0092B-C50C-407E-A947-70E740481C1C}">
+                <a14:useLocalDpi xmlns:a14="http://schemas.microsoft.com/office/drawing/2010/main" val="0"/>
+              </a:ext>
+            </a:extLst>
+          </a:blip>
+          <a:stretch>
+            <a:fillRect/>
+          </a:stretch>
+        </p:blipFill>
+        <p:spPr>
+          <a:xfrm>
+            <a:off x="5718230" y="3893398"/>
+            <a:ext cx="450000" cy="540000"/>
+          </a:xfrm>
+          <a:prstGeom prst="rect">
+            <a:avLst/>
+          </a:prstGeom>
+        </p:spPr>
+      </p:pic>
+      <p:pic>
+        <p:nvPicPr>
+          <p:cNvPr id="62" name="그림 61"/>
+          <p:cNvPicPr>
+            <a:picLocks noChangeAspect="1"/>
+          </p:cNvPicPr>
+          <p:nvPr/>
+        </p:nvPicPr>
+        <p:blipFill rotWithShape="1">
+          <a:blip r:embed="rId5">
+            <a:extLst>
+              <a:ext uri="{28A0092B-C50C-407E-A947-70E740481C1C}">
+                <a14:useLocalDpi xmlns:a14="http://schemas.microsoft.com/office/drawing/2010/main" val="0"/>
+              </a:ext>
+            </a:extLst>
+          </a:blip>
+          <a:srcRect r="74862"/>
+          <a:stretch/>
+        </p:blipFill>
+        <p:spPr>
+          <a:xfrm>
+            <a:off x="7968004" y="3910763"/>
+            <a:ext cx="366053" cy="540000"/>
+          </a:xfrm>
+          <a:prstGeom prst="rect">
+            <a:avLst/>
+          </a:prstGeom>
+        </p:spPr>
+      </p:pic>
+      <p:pic>
+        <p:nvPicPr>
+          <p:cNvPr id="63" name="그림 62"/>
+          <p:cNvPicPr>
+            <a:picLocks noChangeAspect="1"/>
+          </p:cNvPicPr>
+          <p:nvPr/>
+        </p:nvPicPr>
+        <p:blipFill rotWithShape="1">
+          <a:blip r:embed="rId6">
+            <a:extLst>
+              <a:ext uri="{28A0092B-C50C-407E-A947-70E740481C1C}">
+                <a14:useLocalDpi xmlns:a14="http://schemas.microsoft.com/office/drawing/2010/main" val="0"/>
+              </a:ext>
+            </a:extLst>
+          </a:blip>
+          <a:srcRect r="75112"/>
+          <a:stretch/>
+        </p:blipFill>
+        <p:spPr>
+          <a:xfrm flipH="1">
+            <a:off x="10078516" y="3806388"/>
+            <a:ext cx="374732" cy="540000"/>
+          </a:xfrm>
+          <a:prstGeom prst="rect">
+            <a:avLst/>
+          </a:prstGeom>
+        </p:spPr>
+      </p:pic>
+      <p:pic>
+        <p:nvPicPr>
+          <p:cNvPr id="64" name="그림 63"/>
+          <p:cNvPicPr>
+            <a:picLocks noChangeAspect="1"/>
+          </p:cNvPicPr>
+          <p:nvPr/>
+        </p:nvPicPr>
+        <p:blipFill>
+          <a:blip r:embed="rId3">
+            <a:duotone>
+              <a:prstClr val="black"/>
+              <a:srgbClr val="7030A0">
+                <a:tint val="45000"/>
+                <a:satMod val="400000"/>
+              </a:srgbClr>
+            </a:duotone>
+            <a:extLst>
+              <a:ext uri="{28A0092B-C50C-407E-A947-70E740481C1C}">
+                <a14:useLocalDpi xmlns:a14="http://schemas.microsoft.com/office/drawing/2010/main" val="0"/>
+              </a:ext>
+            </a:extLst>
+          </a:blip>
+          <a:stretch>
+            <a:fillRect/>
+          </a:stretch>
+        </p:blipFill>
+        <p:spPr>
+          <a:xfrm>
+            <a:off x="8406233" y="2578572"/>
+            <a:ext cx="417812" cy="417812"/>
+          </a:xfrm>
+          <a:prstGeom prst="rect">
+            <a:avLst/>
+          </a:prstGeom>
+        </p:spPr>
+      </p:pic>
+      <p:pic>
+        <p:nvPicPr>
+          <p:cNvPr id="65" name="그림 64"/>
+          <p:cNvPicPr>
+            <a:picLocks noChangeAspect="1"/>
+          </p:cNvPicPr>
+          <p:nvPr/>
+        </p:nvPicPr>
+        <p:blipFill>
+          <a:blip r:embed="rId3">
+            <a:duotone>
+              <a:prstClr val="black"/>
+              <a:schemeClr val="accent6">
+                <a:tint val="45000"/>
+                <a:satMod val="400000"/>
+              </a:schemeClr>
+            </a:duotone>
+            <a:extLst>
+              <a:ext uri="{28A0092B-C50C-407E-A947-70E740481C1C}">
+                <a14:useLocalDpi xmlns:a14="http://schemas.microsoft.com/office/drawing/2010/main" val="0"/>
+              </a:ext>
+            </a:extLst>
+          </a:blip>
+          <a:stretch>
+            <a:fillRect/>
+          </a:stretch>
+        </p:blipFill>
+        <p:spPr>
+          <a:xfrm>
+            <a:off x="9168598" y="2638989"/>
+            <a:ext cx="417812" cy="417812"/>
+          </a:xfrm>
+          <a:prstGeom prst="rect">
+            <a:avLst/>
+          </a:prstGeom>
+        </p:spPr>
+      </p:pic>
+      <p:sp>
+        <p:nvSpPr>
+          <p:cNvPr id="66" name="삼각형 65"/>
+          <p:cNvSpPr/>
+          <p:nvPr/>
+        </p:nvSpPr>
+        <p:spPr>
+          <a:xfrm flipV="1">
+            <a:off x="5850280" y="3697923"/>
+            <a:ext cx="185900" cy="134320"/>
+          </a:xfrm>
+          <a:prstGeom prst="triangle">
+            <a:avLst/>
+          </a:prstGeom>
+          <a:solidFill>
+            <a:srgbClr val="FF0000"/>
+          </a:solidFill>
+        </p:spPr>
+        <p:style>
+          <a:lnRef idx="2">
+            <a:schemeClr val="accent1">
+              <a:shade val="50000"/>
+            </a:schemeClr>
+          </a:lnRef>
+          <a:fillRef idx="1">
+            <a:schemeClr val="accent1"/>
+          </a:fillRef>
+          <a:effectRef idx="0">
+            <a:schemeClr val="accent1"/>
+          </a:effectRef>
+          <a:fontRef idx="minor">
+            <a:schemeClr val="lt1"/>
+          </a:fontRef>
+        </p:style>
+        <p:txBody>
+          <a:bodyPr rtlCol="0" anchor="ctr"/>
+          <a:lstStyle/>
+          <a:p>
+            <a:pPr algn="ctr"/>
+            <a:endParaRPr kumimoji="1" lang="ko-KR" altLang="en-US"/>
+          </a:p>
+        </p:txBody>
+      </p:sp>
+      <p:sp>
+        <p:nvSpPr>
+          <p:cNvPr id="68" name="삼각형 67"/>
+          <p:cNvSpPr/>
+          <p:nvPr/>
+        </p:nvSpPr>
+        <p:spPr>
+          <a:xfrm flipV="1">
+            <a:off x="8058081" y="3697923"/>
+            <a:ext cx="185900" cy="134320"/>
+          </a:xfrm>
+          <a:prstGeom prst="triangle">
+            <a:avLst/>
+          </a:prstGeom>
+          <a:solidFill>
+            <a:srgbClr val="7030A0"/>
+          </a:solidFill>
+        </p:spPr>
+        <p:style>
+          <a:lnRef idx="2">
+            <a:schemeClr val="accent1">
+              <a:shade val="50000"/>
+            </a:schemeClr>
+          </a:lnRef>
+          <a:fillRef idx="1">
+            <a:schemeClr val="accent1"/>
+          </a:fillRef>
+          <a:effectRef idx="0">
+            <a:schemeClr val="accent1"/>
+          </a:effectRef>
+          <a:fontRef idx="minor">
+            <a:schemeClr val="lt1"/>
+          </a:fontRef>
+        </p:style>
+        <p:txBody>
+          <a:bodyPr rtlCol="0" anchor="ctr"/>
+          <a:lstStyle/>
+          <a:p>
+            <a:pPr algn="ctr"/>
+            <a:endParaRPr kumimoji="1" lang="ko-KR" altLang="en-US"/>
+          </a:p>
+        </p:txBody>
+      </p:sp>
+      <p:sp>
+        <p:nvSpPr>
+          <p:cNvPr id="70" name="삼각형 69"/>
+          <p:cNvSpPr/>
+          <p:nvPr/>
+        </p:nvSpPr>
+        <p:spPr>
+          <a:xfrm flipV="1">
+            <a:off x="10172932" y="3603007"/>
+            <a:ext cx="185900" cy="134320"/>
+          </a:xfrm>
+          <a:prstGeom prst="triangle">
+            <a:avLst/>
+          </a:prstGeom>
+          <a:solidFill>
+            <a:srgbClr val="00B050"/>
+          </a:solidFill>
+        </p:spPr>
+        <p:style>
+          <a:lnRef idx="2">
+            <a:schemeClr val="accent1">
+              <a:shade val="50000"/>
+            </a:schemeClr>
+          </a:lnRef>
+          <a:fillRef idx="1">
+            <a:schemeClr val="accent1"/>
+          </a:fillRef>
+          <a:effectRef idx="0">
+            <a:schemeClr val="accent1"/>
+          </a:effectRef>
+          <a:fontRef idx="minor">
+            <a:schemeClr val="lt1"/>
+          </a:fontRef>
+        </p:style>
+        <p:txBody>
+          <a:bodyPr rtlCol="0" anchor="ctr"/>
+          <a:lstStyle/>
+          <a:p>
+            <a:pPr algn="ctr"/>
+            <a:endParaRPr kumimoji="1" lang="ko-KR" altLang="en-US"/>
+          </a:p>
+        </p:txBody>
+      </p:sp>
+      <p:pic>
+        <p:nvPicPr>
+          <p:cNvPr id="74" name="그림 73"/>
+          <p:cNvPicPr>
+            <a:picLocks noChangeAspect="1"/>
+          </p:cNvPicPr>
+          <p:nvPr/>
+        </p:nvPicPr>
+        <p:blipFill>
+          <a:blip r:embed="rId7">
+            <a:extLst>
+              <a:ext uri="{28A0092B-C50C-407E-A947-70E740481C1C}">
+                <a14:useLocalDpi xmlns:a14="http://schemas.microsoft.com/office/drawing/2010/main" val="0"/>
+              </a:ext>
+            </a:extLst>
+          </a:blip>
+          <a:stretch>
+            <a:fillRect/>
+          </a:stretch>
+        </p:blipFill>
+        <p:spPr>
+          <a:xfrm>
+            <a:off x="5968657" y="4014363"/>
+            <a:ext cx="400860" cy="343594"/>
+          </a:xfrm>
+          <a:prstGeom prst="rect">
+            <a:avLst/>
+          </a:prstGeom>
+        </p:spPr>
+      </p:pic>
+      <p:pic>
+        <p:nvPicPr>
+          <p:cNvPr id="75" name="그림 74"/>
+          <p:cNvPicPr>
+            <a:picLocks noChangeAspect="1"/>
+          </p:cNvPicPr>
+          <p:nvPr/>
+        </p:nvPicPr>
+        <p:blipFill>
+          <a:blip r:embed="rId8">
+            <a:extLst>
+              <a:ext uri="{28A0092B-C50C-407E-A947-70E740481C1C}">
+                <a14:useLocalDpi xmlns:a14="http://schemas.microsoft.com/office/drawing/2010/main" val="0"/>
+              </a:ext>
+            </a:extLst>
+          </a:blip>
+          <a:stretch>
+            <a:fillRect/>
+          </a:stretch>
+        </p:blipFill>
+        <p:spPr>
+          <a:xfrm rot="20035132">
+            <a:off x="6538972" y="3813436"/>
+            <a:ext cx="334286" cy="180000"/>
+          </a:xfrm>
+          <a:prstGeom prst="rect">
+            <a:avLst/>
+          </a:prstGeom>
+        </p:spPr>
+      </p:pic>
+      <p:pic>
+        <p:nvPicPr>
+          <p:cNvPr id="76" name="그림 75"/>
+          <p:cNvPicPr>
+            <a:picLocks noChangeAspect="1"/>
+          </p:cNvPicPr>
+          <p:nvPr/>
+        </p:nvPicPr>
+        <p:blipFill>
+          <a:blip r:embed="rId8">
+            <a:extLst>
+              <a:ext uri="{28A0092B-C50C-407E-A947-70E740481C1C}">
+                <a14:useLocalDpi xmlns:a14="http://schemas.microsoft.com/office/drawing/2010/main" val="0"/>
+              </a:ext>
+            </a:extLst>
+          </a:blip>
+          <a:stretch>
+            <a:fillRect/>
+          </a:stretch>
+        </p:blipFill>
+        <p:spPr>
+          <a:xfrm rot="20035132">
+            <a:off x="7152743" y="3503961"/>
+            <a:ext cx="334286" cy="180000"/>
+          </a:xfrm>
+          <a:prstGeom prst="rect">
+            <a:avLst/>
+          </a:prstGeom>
+        </p:spPr>
+      </p:pic>
+      <p:pic>
+        <p:nvPicPr>
+          <p:cNvPr id="77" name="그림 76"/>
+          <p:cNvPicPr>
+            <a:picLocks noChangeAspect="1"/>
+          </p:cNvPicPr>
+          <p:nvPr/>
+        </p:nvPicPr>
+        <p:blipFill>
+          <a:blip r:embed="rId8">
+            <a:extLst>
+              <a:ext uri="{28A0092B-C50C-407E-A947-70E740481C1C}">
+                <a14:useLocalDpi xmlns:a14="http://schemas.microsoft.com/office/drawing/2010/main" val="0"/>
+              </a:ext>
+            </a:extLst>
+          </a:blip>
+          <a:stretch>
+            <a:fillRect/>
+          </a:stretch>
+        </p:blipFill>
+        <p:spPr>
+          <a:xfrm rot="20035132">
+            <a:off x="7673952" y="3227802"/>
+            <a:ext cx="334286" cy="180000"/>
+          </a:xfrm>
+          <a:prstGeom prst="rect">
+            <a:avLst/>
+          </a:prstGeom>
+        </p:spPr>
+      </p:pic>
+      <p:sp>
+        <p:nvSpPr>
+          <p:cNvPr id="78" name="직사각형 77"/>
+          <p:cNvSpPr/>
+          <p:nvPr/>
+        </p:nvSpPr>
+        <p:spPr>
+          <a:xfrm>
+            <a:off x="6218560" y="1861149"/>
+            <a:ext cx="3341479" cy="210921"/>
+          </a:xfrm>
+          <a:prstGeom prst="rect">
+            <a:avLst/>
+          </a:prstGeom>
+          <a:solidFill>
+            <a:srgbClr val="F56E4B"/>
+          </a:solidFill>
+          <a:ln>
+            <a:noFill/>
+          </a:ln>
+        </p:spPr>
+        <p:style>
+          <a:lnRef idx="2">
+            <a:schemeClr val="accent1">
+              <a:shade val="50000"/>
+            </a:schemeClr>
+          </a:lnRef>
+          <a:fillRef idx="1">
+            <a:schemeClr val="accent1"/>
+          </a:fillRef>
+          <a:effectRef idx="0">
+            <a:schemeClr val="accent1"/>
+          </a:effectRef>
+          <a:fontRef idx="minor">
+            <a:schemeClr val="lt1"/>
+          </a:fontRef>
+        </p:style>
+        <p:txBody>
+          <a:bodyPr rtlCol="0" anchor="ctr"/>
+          <a:lstStyle/>
+          <a:p>
+            <a:pPr algn="ctr"/>
+            <a:r>
+              <a:rPr kumimoji="1" lang="ko-KR" altLang="en-US" sz="1200" dirty="0" smtClean="0"/>
+              <a:t>보스 체력</a:t>
+            </a:r>
+            <a:endParaRPr kumimoji="1" lang="ko-KR" altLang="en-US" sz="1200" dirty="0"/>
+          </a:p>
+        </p:txBody>
+      </p:sp>
+      <p:pic>
+        <p:nvPicPr>
+          <p:cNvPr id="89" name="그림 88"/>
+          <p:cNvPicPr>
+            <a:picLocks noChangeAspect="1"/>
+          </p:cNvPicPr>
+          <p:nvPr/>
+        </p:nvPicPr>
+        <p:blipFill>
+          <a:blip r:embed="rId9">
+            <a:duotone>
+              <a:schemeClr val="accent6">
+                <a:shade val="45000"/>
+                <a:satMod val="135000"/>
+              </a:schemeClr>
+              <a:prstClr val="white"/>
+            </a:duotone>
+            <a:extLst>
+              <a:ext uri="{28A0092B-C50C-407E-A947-70E740481C1C}">
+                <a14:useLocalDpi xmlns:a14="http://schemas.microsoft.com/office/drawing/2010/main" val="0"/>
+              </a:ext>
+            </a:extLst>
+          </a:blip>
+          <a:stretch>
+            <a:fillRect/>
+          </a:stretch>
+        </p:blipFill>
+        <p:spPr>
+          <a:xfrm>
+            <a:off x="3266096" y="4200118"/>
+            <a:ext cx="300569" cy="300569"/>
+          </a:xfrm>
+          <a:prstGeom prst="rect">
+            <a:avLst/>
+          </a:prstGeom>
+        </p:spPr>
+      </p:pic>
+      <p:cxnSp>
+        <p:nvCxnSpPr>
+          <p:cNvPr id="91" name="꺾인 연결선[E] 90"/>
+          <p:cNvCxnSpPr>
+            <a:stCxn id="89" idx="3"/>
+            <a:endCxn id="48" idx="2"/>
+          </p:cNvCxnSpPr>
+          <p:nvPr/>
+        </p:nvCxnSpPr>
+        <p:spPr>
+          <a:xfrm>
+            <a:off x="3566665" y="4350403"/>
+            <a:ext cx="4322635" cy="100360"/>
+          </a:xfrm>
+          <a:prstGeom prst="bentConnector4">
+            <a:avLst>
+              <a:gd name="adj1" fmla="val 17859"/>
+              <a:gd name="adj2" fmla="val 327780"/>
+            </a:avLst>
+          </a:prstGeom>
+          <a:ln w="19050">
+            <a:solidFill>
+              <a:srgbClr val="509D93"/>
+            </a:solidFill>
+            <a:prstDash val="dash"/>
+            <a:tailEnd type="triangle"/>
+          </a:ln>
+        </p:spPr>
+        <p:style>
+          <a:lnRef idx="1">
+            <a:schemeClr val="accent1"/>
+          </a:lnRef>
+          <a:fillRef idx="0">
+            <a:schemeClr val="accent1"/>
+          </a:fillRef>
+          <a:effectRef idx="0">
+            <a:schemeClr val="accent1"/>
+          </a:effectRef>
+          <a:fontRef idx="minor">
+            <a:schemeClr val="tx1"/>
+          </a:fontRef>
+        </p:style>
+      </p:cxnSp>
     </p:spTree>
     <p:extLst>
       <p:ext uri="{BB962C8B-B14F-4D97-AF65-F5344CB8AC3E}">

--- a/boss_locker.pptx
+++ b/boss_locker.pptx
@@ -388,11 +388,11 @@
           <c:showBubbleSize val="0"/>
         </c:dLbls>
         <c:gapWidth val="199"/>
-        <c:axId val="-1265536496"/>
-        <c:axId val="-1265533504"/>
+        <c:axId val="-1173795440"/>
+        <c:axId val="-1173793120"/>
       </c:barChart>
       <c:catAx>
-        <c:axId val="-1265536496"/>
+        <c:axId val="-1173795440"/>
         <c:scaling>
           <c:orientation val="minMax"/>
         </c:scaling>
@@ -435,7 +435,7 @@
             <a:endParaRPr lang="ko-KR"/>
           </a:p>
         </c:txPr>
-        <c:crossAx val="-1265533504"/>
+        <c:crossAx val="-1173793120"/>
         <c:crosses val="autoZero"/>
         <c:auto val="1"/>
         <c:lblAlgn val="ctr"/>
@@ -443,7 +443,7 @@
         <c:noMultiLvlLbl val="0"/>
       </c:catAx>
       <c:valAx>
-        <c:axId val="-1265533504"/>
+        <c:axId val="-1173793120"/>
         <c:scaling>
           <c:orientation val="minMax"/>
         </c:scaling>
@@ -508,7 +508,7 @@
             <a:endParaRPr lang="ko-KR"/>
           </a:p>
         </c:txPr>
-        <c:crossAx val="-1265536496"/>
+        <c:crossAx val="-1173795440"/>
         <c:crosses val="autoZero"/>
         <c:crossBetween val="between"/>
       </c:valAx>
@@ -18107,6 +18107,260 @@
           </a:p>
         </p:txBody>
       </p:sp>
+      <p:sp>
+        <p:nvSpPr>
+          <p:cNvPr id="18" name="직사각형 17"/>
+          <p:cNvSpPr/>
+          <p:nvPr/>
+        </p:nvSpPr>
+        <p:spPr>
+          <a:xfrm>
+            <a:off x="146539" y="5640629"/>
+            <a:ext cx="3095275" cy="1015663"/>
+          </a:xfrm>
+          <a:prstGeom prst="rect">
+            <a:avLst/>
+          </a:prstGeom>
+        </p:spPr>
+        <p:txBody>
+          <a:bodyPr wrap="square">
+            <a:spAutoFit/>
+          </a:bodyPr>
+          <a:lstStyle/>
+          <a:p>
+            <a:r>
+              <a:rPr lang="ko-KR" altLang="en-US" sz="1200" b="1" dirty="0" smtClean="0">
+                <a:solidFill>
+                  <a:schemeClr val="tx1">
+                    <a:lumMod val="65000"/>
+                    <a:lumOff val="35000"/>
+                  </a:schemeClr>
+                </a:solidFill>
+                <a:latin typeface="+mj-ea"/>
+              </a:rPr>
+              <a:t>팀 구성</a:t>
+            </a:r>
+            <a:endParaRPr lang="en-US" altLang="ko-KR" sz="1200" b="1" dirty="0" smtClean="0">
+              <a:solidFill>
+                <a:schemeClr val="tx1">
+                  <a:lumMod val="65000"/>
+                  <a:lumOff val="35000"/>
+                </a:schemeClr>
+              </a:solidFill>
+              <a:latin typeface="+mj-ea"/>
+            </a:endParaRPr>
+          </a:p>
+          <a:p>
+            <a:endParaRPr lang="en-US" altLang="ko-KR" sz="1200" b="1" dirty="0" smtClean="0">
+              <a:solidFill>
+                <a:schemeClr val="tx1">
+                  <a:lumMod val="65000"/>
+                  <a:lumOff val="35000"/>
+                </a:schemeClr>
+              </a:solidFill>
+              <a:latin typeface="+mj-ea"/>
+            </a:endParaRPr>
+          </a:p>
+          <a:p>
+            <a:r>
+              <a:rPr lang="ko-KR" altLang="en-US" sz="1200" b="1" dirty="0">
+                <a:solidFill>
+                  <a:schemeClr val="accent1"/>
+                </a:solidFill>
+                <a:latin typeface="+mj-ea"/>
+              </a:rPr>
+              <a:t>기획 </a:t>
+            </a:r>
+            <a:r>
+              <a:rPr lang="en-US" altLang="ko-KR" sz="1200" b="1" dirty="0">
+                <a:solidFill>
+                  <a:schemeClr val="accent1"/>
+                </a:solidFill>
+                <a:latin typeface="+mj-ea"/>
+              </a:rPr>
+              <a:t>&amp;</a:t>
+            </a:r>
+            <a:r>
+              <a:rPr lang="ko-KR" altLang="en-US" sz="1200" b="1" dirty="0">
+                <a:solidFill>
+                  <a:schemeClr val="accent1"/>
+                </a:solidFill>
+                <a:latin typeface="+mj-ea"/>
+              </a:rPr>
+              <a:t> 서버</a:t>
+            </a:r>
+            <a:r>
+              <a:rPr lang="en-US" altLang="ko-KR" sz="1200" b="1" dirty="0">
+                <a:solidFill>
+                  <a:schemeClr val="tx1">
+                    <a:lumMod val="65000"/>
+                    <a:lumOff val="35000"/>
+                  </a:schemeClr>
+                </a:solidFill>
+                <a:latin typeface="+mj-ea"/>
+              </a:rPr>
+              <a:t>:</a:t>
+            </a:r>
+            <a:r>
+              <a:rPr lang="ko-KR" altLang="en-US" sz="1200" b="1" dirty="0">
+                <a:solidFill>
+                  <a:schemeClr val="tx1">
+                    <a:lumMod val="65000"/>
+                    <a:lumOff val="35000"/>
+                  </a:schemeClr>
+                </a:solidFill>
+                <a:latin typeface="+mj-ea"/>
+              </a:rPr>
+              <a:t> </a:t>
+            </a:r>
+            <a:r>
+              <a:rPr lang="ko-KR" altLang="en-US" sz="1200" b="1" dirty="0" smtClean="0">
+                <a:solidFill>
+                  <a:schemeClr val="tx1">
+                    <a:lumMod val="65000"/>
+                    <a:lumOff val="35000"/>
+                  </a:schemeClr>
+                </a:solidFill>
+                <a:latin typeface="+mj-ea"/>
+              </a:rPr>
+              <a:t>김홍일</a:t>
+            </a:r>
+            <a:endParaRPr lang="en-US" altLang="ko-KR" sz="1200" b="1" spc="140" dirty="0" smtClean="0">
+              <a:solidFill>
+                <a:schemeClr val="accent1"/>
+              </a:solidFill>
+              <a:latin typeface="+mj-ea"/>
+            </a:endParaRPr>
+          </a:p>
+          <a:p>
+            <a:r>
+              <a:rPr lang="ko-KR" altLang="en-US" sz="1200" b="1" spc="140" dirty="0" smtClean="0">
+                <a:solidFill>
+                  <a:schemeClr val="accent1"/>
+                </a:solidFill>
+                <a:latin typeface="+mj-ea"/>
+              </a:rPr>
+              <a:t>클라이언트</a:t>
+            </a:r>
+            <a:r>
+              <a:rPr lang="en-US" altLang="ko-KR" sz="1200" b="1" dirty="0" smtClean="0">
+                <a:solidFill>
+                  <a:schemeClr val="tx1">
+                    <a:lumMod val="65000"/>
+                    <a:lumOff val="35000"/>
+                  </a:schemeClr>
+                </a:solidFill>
+                <a:latin typeface="+mj-ea"/>
+              </a:rPr>
+              <a:t>: </a:t>
+            </a:r>
+            <a:r>
+              <a:rPr lang="ko-KR" altLang="en-US" sz="1200" b="1" dirty="0" smtClean="0">
+                <a:solidFill>
+                  <a:schemeClr val="tx1">
+                    <a:lumMod val="65000"/>
+                    <a:lumOff val="35000"/>
+                  </a:schemeClr>
+                </a:solidFill>
+                <a:latin typeface="+mj-ea"/>
+              </a:rPr>
+              <a:t>양태윤</a:t>
+            </a:r>
+            <a:endParaRPr lang="en-US" altLang="ko-KR" sz="1200" b="1" dirty="0">
+              <a:solidFill>
+                <a:schemeClr val="tx1">
+                  <a:lumMod val="65000"/>
+                  <a:lumOff val="35000"/>
+                </a:schemeClr>
+              </a:solidFill>
+              <a:latin typeface="+mj-ea"/>
+            </a:endParaRPr>
+          </a:p>
+          <a:p>
+            <a:r>
+              <a:rPr lang="ko-KR" altLang="en-US" sz="1200" b="1" dirty="0" smtClean="0">
+                <a:solidFill>
+                  <a:schemeClr val="accent1"/>
+                </a:solidFill>
+                <a:latin typeface="+mj-ea"/>
+              </a:rPr>
+              <a:t>모델링 </a:t>
+            </a:r>
+            <a:r>
+              <a:rPr lang="en-US" altLang="ko-KR" sz="1200" b="1" dirty="0" smtClean="0">
+                <a:solidFill>
+                  <a:schemeClr val="accent1"/>
+                </a:solidFill>
+                <a:latin typeface="+mj-ea"/>
+              </a:rPr>
+              <a:t>&amp;</a:t>
+            </a:r>
+            <a:r>
+              <a:rPr lang="ko-KR" altLang="en-US" sz="1200" b="1" dirty="0" smtClean="0">
+                <a:solidFill>
+                  <a:schemeClr val="accent1"/>
+                </a:solidFill>
+                <a:latin typeface="+mj-ea"/>
+              </a:rPr>
+              <a:t> </a:t>
+            </a:r>
+            <a:r>
+              <a:rPr lang="en-US" altLang="ko-KR" sz="1200" b="1" dirty="0" smtClean="0">
+                <a:solidFill>
+                  <a:schemeClr val="accent1"/>
+                </a:solidFill>
+                <a:latin typeface="+mj-ea"/>
+              </a:rPr>
+              <a:t>UI</a:t>
+            </a:r>
+            <a:r>
+              <a:rPr lang="en-US" altLang="ko-KR" sz="1200" b="1" dirty="0" smtClean="0">
+                <a:solidFill>
+                  <a:schemeClr val="tx1">
+                    <a:lumMod val="65000"/>
+                    <a:lumOff val="35000"/>
+                  </a:schemeClr>
+                </a:solidFill>
+                <a:latin typeface="+mj-ea"/>
+              </a:rPr>
+              <a:t>:</a:t>
+            </a:r>
+            <a:r>
+              <a:rPr lang="ko-KR" altLang="en-US" sz="1200" b="1" dirty="0" smtClean="0">
+                <a:solidFill>
+                  <a:schemeClr val="tx1">
+                    <a:lumMod val="65000"/>
+                    <a:lumOff val="35000"/>
+                  </a:schemeClr>
+                </a:solidFill>
+                <a:latin typeface="+mj-ea"/>
+              </a:rPr>
+              <a:t> </a:t>
+            </a:r>
+            <a:r>
+              <a:rPr lang="ko-KR" altLang="en-US" sz="1200" b="1" dirty="0" smtClean="0">
+                <a:solidFill>
+                  <a:schemeClr val="tx1">
+                    <a:lumMod val="65000"/>
+                    <a:lumOff val="35000"/>
+                  </a:schemeClr>
+                </a:solidFill>
+                <a:latin typeface="+mj-ea"/>
+              </a:rPr>
+              <a:t>조소연</a:t>
+            </a:r>
+            <a:endParaRPr lang="en-US" altLang="ko-KR" sz="1200" b="1" dirty="0" smtClean="0">
+              <a:solidFill>
+                <a:schemeClr val="tx1">
+                  <a:lumMod val="65000"/>
+                  <a:lumOff val="35000"/>
+                </a:schemeClr>
+              </a:solidFill>
+              <a:latin typeface="+mj-ea"/>
+            </a:endParaRPr>
+          </a:p>
+        </p:txBody>
+      </p:sp>
     </p:spTree>
     <p:extLst>
       <p:ext uri="{BB962C8B-B14F-4D97-AF65-F5344CB8AC3E}">
@@ -29635,250 +29889,6 @@
               <a:solidFill>
                 <a:schemeClr val="tx1"/>
               </a:solidFill>
-            </a:endParaRPr>
-          </a:p>
-        </p:txBody>
-      </p:sp>
-      <p:sp>
-        <p:nvSpPr>
-          <p:cNvPr id="9" name="직사각형 8"/>
-          <p:cNvSpPr/>
-          <p:nvPr/>
-        </p:nvSpPr>
-        <p:spPr>
-          <a:xfrm>
-            <a:off x="2241302" y="5331577"/>
-            <a:ext cx="3095275" cy="1292662"/>
-          </a:xfrm>
-          <a:prstGeom prst="rect">
-            <a:avLst/>
-          </a:prstGeom>
-        </p:spPr>
-        <p:txBody>
-          <a:bodyPr wrap="square">
-            <a:spAutoFit/>
-          </a:bodyPr>
-          <a:lstStyle/>
-          <a:p>
-            <a:r>
-              <a:rPr lang="ko-KR" altLang="en-US" sz="1200" b="1" dirty="0" smtClean="0">
-                <a:solidFill>
-                  <a:schemeClr val="tx1">
-                    <a:lumMod val="65000"/>
-                    <a:lumOff val="35000"/>
-                  </a:schemeClr>
-                </a:solidFill>
-                <a:latin typeface="+mj-ea"/>
-              </a:rPr>
-              <a:t>팀 구성</a:t>
-            </a:r>
-            <a:endParaRPr lang="en-US" altLang="ko-KR" sz="1200" b="1" dirty="0" smtClean="0">
-              <a:solidFill>
-                <a:schemeClr val="tx1">
-                  <a:lumMod val="65000"/>
-                  <a:lumOff val="35000"/>
-                </a:schemeClr>
-              </a:solidFill>
-              <a:latin typeface="+mj-ea"/>
-            </a:endParaRPr>
-          </a:p>
-          <a:p>
-            <a:endParaRPr lang="en-US" altLang="ko-KR" sz="1200" b="1" dirty="0" smtClean="0">
-              <a:solidFill>
-                <a:schemeClr val="tx1">
-                  <a:lumMod val="65000"/>
-                  <a:lumOff val="35000"/>
-                </a:schemeClr>
-              </a:solidFill>
-              <a:latin typeface="+mj-ea"/>
-            </a:endParaRPr>
-          </a:p>
-          <a:p>
-            <a:r>
-              <a:rPr lang="ko-KR" altLang="en-US" sz="1200" b="1" spc="200" dirty="0" smtClean="0">
-                <a:solidFill>
-                  <a:schemeClr val="accent1"/>
-                </a:solidFill>
-                <a:latin typeface="+mj-ea"/>
-              </a:rPr>
-              <a:t>클라이언트</a:t>
-            </a:r>
-            <a:r>
-              <a:rPr lang="en-US" altLang="ko-KR" sz="1200" b="1" dirty="0" smtClean="0">
-                <a:solidFill>
-                  <a:schemeClr val="tx1">
-                    <a:lumMod val="65000"/>
-                    <a:lumOff val="35000"/>
-                  </a:schemeClr>
-                </a:solidFill>
-                <a:latin typeface="+mj-ea"/>
-              </a:rPr>
-              <a:t>: </a:t>
-            </a:r>
-            <a:r>
-              <a:rPr lang="ko-KR" altLang="en-US" sz="1200" b="1" dirty="0" smtClean="0">
-                <a:solidFill>
-                  <a:schemeClr val="tx1">
-                    <a:lumMod val="65000"/>
-                    <a:lumOff val="35000"/>
-                  </a:schemeClr>
-                </a:solidFill>
-                <a:latin typeface="+mj-ea"/>
-              </a:rPr>
-              <a:t>양태윤</a:t>
-            </a:r>
-            <a:endParaRPr lang="en-US" altLang="ko-KR" sz="1200" b="1" dirty="0">
-              <a:solidFill>
-                <a:schemeClr val="tx1">
-                  <a:lumMod val="65000"/>
-                  <a:lumOff val="35000"/>
-                </a:schemeClr>
-              </a:solidFill>
-              <a:latin typeface="+mj-ea"/>
-            </a:endParaRPr>
-          </a:p>
-          <a:p>
-            <a:r>
-              <a:rPr lang="ko-KR" altLang="en-US" sz="1200" b="1" dirty="0" smtClean="0">
-                <a:solidFill>
-                  <a:schemeClr val="accent1"/>
-                </a:solidFill>
-                <a:latin typeface="+mj-ea"/>
-              </a:rPr>
-              <a:t>기획 </a:t>
-            </a:r>
-            <a:r>
-              <a:rPr lang="en-US" altLang="ko-KR" sz="1200" b="1" dirty="0" smtClean="0">
-                <a:solidFill>
-                  <a:schemeClr val="accent1"/>
-                </a:solidFill>
-                <a:latin typeface="+mj-ea"/>
-              </a:rPr>
-              <a:t>&amp;</a:t>
-            </a:r>
-            <a:r>
-              <a:rPr lang="ko-KR" altLang="en-US" sz="1200" b="1" dirty="0" smtClean="0">
-                <a:solidFill>
-                  <a:schemeClr val="accent1"/>
-                </a:solidFill>
-                <a:latin typeface="+mj-ea"/>
-              </a:rPr>
-              <a:t> 서버</a:t>
-            </a:r>
-            <a:r>
-              <a:rPr lang="en-US" altLang="ko-KR" sz="1200" b="1" dirty="0" smtClean="0">
-                <a:solidFill>
-                  <a:schemeClr val="tx1">
-                    <a:lumMod val="65000"/>
-                    <a:lumOff val="35000"/>
-                  </a:schemeClr>
-                </a:solidFill>
-                <a:latin typeface="+mj-ea"/>
-              </a:rPr>
-              <a:t>:</a:t>
-            </a:r>
-            <a:r>
-              <a:rPr lang="ko-KR" altLang="en-US" sz="1200" b="1" dirty="0" smtClean="0">
-                <a:solidFill>
-                  <a:schemeClr val="tx1">
-                    <a:lumMod val="65000"/>
-                    <a:lumOff val="35000"/>
-                  </a:schemeClr>
-                </a:solidFill>
-                <a:latin typeface="+mj-ea"/>
-              </a:rPr>
-              <a:t> 김홍일</a:t>
-            </a:r>
-            <a:endParaRPr lang="en-US" altLang="ko-KR" sz="1200" b="1" dirty="0" smtClean="0">
-              <a:solidFill>
-                <a:schemeClr val="tx1">
-                  <a:lumMod val="65000"/>
-                  <a:lumOff val="35000"/>
-                </a:schemeClr>
-              </a:solidFill>
-              <a:latin typeface="+mj-ea"/>
-            </a:endParaRPr>
-          </a:p>
-          <a:p>
-            <a:r>
-              <a:rPr lang="ko-KR" altLang="en-US" sz="1200" b="1" dirty="0" smtClean="0">
-                <a:solidFill>
-                  <a:schemeClr val="accent1"/>
-                </a:solidFill>
-                <a:latin typeface="+mj-ea"/>
-              </a:rPr>
-              <a:t>모델링 </a:t>
-            </a:r>
-            <a:r>
-              <a:rPr lang="en-US" altLang="ko-KR" sz="1200" b="1" dirty="0" smtClean="0">
-                <a:solidFill>
-                  <a:schemeClr val="accent1"/>
-                </a:solidFill>
-                <a:latin typeface="+mj-ea"/>
-              </a:rPr>
-              <a:t>&amp;</a:t>
-            </a:r>
-            <a:r>
-              <a:rPr lang="ko-KR" altLang="en-US" sz="1200" b="1" dirty="0" smtClean="0">
-                <a:solidFill>
-                  <a:schemeClr val="accent1"/>
-                </a:solidFill>
-                <a:latin typeface="+mj-ea"/>
-              </a:rPr>
-              <a:t> </a:t>
-            </a:r>
-            <a:r>
-              <a:rPr lang="en-US" altLang="ko-KR" sz="1200" b="1" dirty="0" smtClean="0">
-                <a:solidFill>
-                  <a:schemeClr val="accent1"/>
-                </a:solidFill>
-                <a:latin typeface="+mj-ea"/>
-              </a:rPr>
-              <a:t>UI</a:t>
-            </a:r>
-            <a:r>
-              <a:rPr lang="en-US" altLang="ko-KR" sz="1200" b="1" dirty="0" smtClean="0">
-                <a:solidFill>
-                  <a:schemeClr val="tx1">
-                    <a:lumMod val="65000"/>
-                    <a:lumOff val="35000"/>
-                  </a:schemeClr>
-                </a:solidFill>
-                <a:latin typeface="+mj-ea"/>
-              </a:rPr>
-              <a:t>:</a:t>
-            </a:r>
-            <a:r>
-              <a:rPr lang="ko-KR" altLang="en-US" sz="1200" b="1" dirty="0" smtClean="0">
-                <a:solidFill>
-                  <a:schemeClr val="tx1">
-                    <a:lumMod val="65000"/>
-                    <a:lumOff val="35000"/>
-                  </a:schemeClr>
-                </a:solidFill>
-                <a:latin typeface="+mj-ea"/>
-              </a:rPr>
-              <a:t> 조소연</a:t>
-            </a:r>
-            <a:endParaRPr lang="en-US" altLang="ko-KR" sz="1200" b="1" dirty="0" smtClean="0">
-              <a:solidFill>
-                <a:schemeClr val="tx1">
-                  <a:lumMod val="65000"/>
-                  <a:lumOff val="35000"/>
-                </a:schemeClr>
-              </a:solidFill>
-              <a:latin typeface="+mj-ea"/>
-            </a:endParaRPr>
-          </a:p>
-          <a:p>
-            <a:endParaRPr lang="en-US" altLang="ko-KR" b="1" dirty="0">
-              <a:solidFill>
-                <a:schemeClr val="tx1">
-                  <a:lumMod val="65000"/>
-                  <a:lumOff val="35000"/>
-                </a:schemeClr>
-              </a:solidFill>
-              <a:latin typeface="+mj-ea"/>
             </a:endParaRPr>
           </a:p>
         </p:txBody>
